--- a/sionna_introduction.pptx
+++ b/sionna_introduction.pptx
@@ -5,18 +5,22 @@
     <p:sldMasterId id="2147483648" r:id="rId4"/>
   </p:sldMasterIdLst>
   <p:notesMasterIdLst>
-    <p:notesMasterId r:id="rId11"/>
+    <p:notesMasterId r:id="rId15"/>
   </p:notesMasterIdLst>
   <p:handoutMasterIdLst>
-    <p:handoutMasterId r:id="rId12"/>
+    <p:handoutMasterId r:id="rId16"/>
   </p:handoutMasterIdLst>
   <p:sldIdLst>
     <p:sldId id="389" r:id="rId5"/>
     <p:sldId id="390" r:id="rId6"/>
     <p:sldId id="391" r:id="rId7"/>
-    <p:sldId id="392" r:id="rId8"/>
-    <p:sldId id="393" r:id="rId9"/>
-    <p:sldId id="394" r:id="rId10"/>
+    <p:sldId id="398" r:id="rId8"/>
+    <p:sldId id="399" r:id="rId9"/>
+    <p:sldId id="400" r:id="rId10"/>
+    <p:sldId id="401" r:id="rId11"/>
+    <p:sldId id="392" r:id="rId12"/>
+    <p:sldId id="393" r:id="rId13"/>
+    <p:sldId id="394" r:id="rId14"/>
   </p:sldIdLst>
   <p:sldSz cx="12192000" cy="6858000"/>
   <p:notesSz cx="6797675" cy="9929813"/>
@@ -123,6 +127,10 @@
             <p14:sldId id="389"/>
             <p14:sldId id="390"/>
             <p14:sldId id="391"/>
+            <p14:sldId id="398"/>
+            <p14:sldId id="399"/>
+            <p14:sldId id="400"/>
+            <p14:sldId id="401"/>
             <p14:sldId id="392"/>
             <p14:sldId id="393"/>
             <p14:sldId id="394"/>
@@ -227,7 +235,7 @@
           <a:p>
             <a:fld id="{69794478-0358-49DB-A022-D9720AEA750F}" type="datetimeFigureOut">
               <a:rPr lang="zh-TW" altLang="en-US" smtClean="0"/>
-              <a:t>2025/3/13</a:t>
+              <a:t>2025/3/14</a:t>
             </a:fld>
             <a:endParaRPr lang="zh-TW" altLang="en-US"/>
           </a:p>
@@ -392,7 +400,7 @@
           <a:p>
             <a:fld id="{A7EF565A-ED91-614C-9488-5A36ACA24F05}" type="datetimeFigureOut">
               <a:rPr lang="en-US" smtClean="0"/>
-              <a:t>3/13/25</a:t>
+              <a:t>3/14/2025</a:t>
             </a:fld>
             <a:endParaRPr lang="en-US"/>
           </a:p>
@@ -743,6 +751,474 @@
 </p:notes>
 </file>
 
+<file path=ppt/notesSlides/notesSlide2.xml><?xml version="1.0" encoding="utf-8"?>
+<p:notes xmlns:a="http://schemas.openxmlformats.org/drawingml/2006/main" xmlns:r="http://schemas.openxmlformats.org/officeDocument/2006/relationships" xmlns:p="http://schemas.openxmlformats.org/presentationml/2006/main">
+  <p:cSld>
+    <p:spTree>
+      <p:nvGrpSpPr>
+        <p:cNvPr id="1" name=""/>
+        <p:cNvGrpSpPr/>
+        <p:nvPr/>
+      </p:nvGrpSpPr>
+      <p:grpSpPr>
+        <a:xfrm>
+          <a:off x="0" y="0"/>
+          <a:ext cx="0" cy="0"/>
+          <a:chOff x="0" y="0"/>
+          <a:chExt cx="0" cy="0"/>
+        </a:xfrm>
+      </p:grpSpPr>
+      <p:sp>
+        <p:nvSpPr>
+          <p:cNvPr id="2" name="投影片影像版面配置區 1"/>
+          <p:cNvSpPr>
+            <a:spLocks noGrp="1" noRot="1" noChangeAspect="1"/>
+          </p:cNvSpPr>
+          <p:nvPr>
+            <p:ph type="sldImg"/>
+          </p:nvPr>
+        </p:nvSpPr>
+        <p:spPr/>
+      </p:sp>
+      <p:sp>
+        <p:nvSpPr>
+          <p:cNvPr id="3" name="備忘稿版面配置區 2"/>
+          <p:cNvSpPr>
+            <a:spLocks noGrp="1"/>
+          </p:cNvSpPr>
+          <p:nvPr>
+            <p:ph type="body" idx="1"/>
+          </p:nvPr>
+        </p:nvSpPr>
+        <p:spPr/>
+        <p:txBody>
+          <a:bodyPr/>
+          <a:lstStyle/>
+          <a:p>
+            <a:endParaRPr lang="zh-TW" altLang="en-US" dirty="0"/>
+          </a:p>
+        </p:txBody>
+      </p:sp>
+      <p:sp>
+        <p:nvSpPr>
+          <p:cNvPr id="4" name="投影片編號版面配置區 3"/>
+          <p:cNvSpPr>
+            <a:spLocks noGrp="1"/>
+          </p:cNvSpPr>
+          <p:nvPr>
+            <p:ph type="sldNum" sz="quarter" idx="5"/>
+          </p:nvPr>
+        </p:nvSpPr>
+        <p:spPr/>
+        <p:txBody>
+          <a:bodyPr/>
+          <a:lstStyle/>
+          <a:p>
+            <a:fld id="{19E86CBC-ED87-4B45-AD59-949EFEA1A6BB}" type="slidenum">
+              <a:rPr lang="en-US" smtClean="0"/>
+              <a:t>2</a:t>
+            </a:fld>
+            <a:endParaRPr lang="en-US"/>
+          </a:p>
+        </p:txBody>
+      </p:sp>
+    </p:spTree>
+    <p:extLst>
+      <p:ext uri="{BB962C8B-B14F-4D97-AF65-F5344CB8AC3E}">
+        <p14:creationId xmlns:p14="http://schemas.microsoft.com/office/powerpoint/2010/main" val="413195652"/>
+      </p:ext>
+    </p:extLst>
+  </p:cSld>
+  <p:clrMapOvr>
+    <a:masterClrMapping/>
+  </p:clrMapOvr>
+</p:notes>
+</file>
+
+<file path=ppt/notesSlides/notesSlide3.xml><?xml version="1.0" encoding="utf-8"?>
+<p:notes xmlns:a="http://schemas.openxmlformats.org/drawingml/2006/main" xmlns:r="http://schemas.openxmlformats.org/officeDocument/2006/relationships" xmlns:p="http://schemas.openxmlformats.org/presentationml/2006/main">
+  <p:cSld>
+    <p:spTree>
+      <p:nvGrpSpPr>
+        <p:cNvPr id="1" name=""/>
+        <p:cNvGrpSpPr/>
+        <p:nvPr/>
+      </p:nvGrpSpPr>
+      <p:grpSpPr>
+        <a:xfrm>
+          <a:off x="0" y="0"/>
+          <a:ext cx="0" cy="0"/>
+          <a:chOff x="0" y="0"/>
+          <a:chExt cx="0" cy="0"/>
+        </a:xfrm>
+      </p:grpSpPr>
+      <p:sp>
+        <p:nvSpPr>
+          <p:cNvPr id="2" name="投影片影像版面配置區 1"/>
+          <p:cNvSpPr>
+            <a:spLocks noGrp="1" noRot="1" noChangeAspect="1"/>
+          </p:cNvSpPr>
+          <p:nvPr>
+            <p:ph type="sldImg"/>
+          </p:nvPr>
+        </p:nvSpPr>
+        <p:spPr/>
+      </p:sp>
+      <p:sp>
+        <p:nvSpPr>
+          <p:cNvPr id="3" name="備忘稿版面配置區 2"/>
+          <p:cNvSpPr>
+            <a:spLocks noGrp="1"/>
+          </p:cNvSpPr>
+          <p:nvPr>
+            <p:ph type="body" idx="1"/>
+          </p:nvPr>
+        </p:nvSpPr>
+        <p:spPr/>
+        <p:txBody>
+          <a:bodyPr/>
+          <a:lstStyle/>
+          <a:p>
+            <a:endParaRPr lang="zh-TW" altLang="en-US" dirty="0"/>
+          </a:p>
+        </p:txBody>
+      </p:sp>
+      <p:sp>
+        <p:nvSpPr>
+          <p:cNvPr id="4" name="投影片編號版面配置區 3"/>
+          <p:cNvSpPr>
+            <a:spLocks noGrp="1"/>
+          </p:cNvSpPr>
+          <p:nvPr>
+            <p:ph type="sldNum" sz="quarter" idx="5"/>
+          </p:nvPr>
+        </p:nvSpPr>
+        <p:spPr/>
+        <p:txBody>
+          <a:bodyPr/>
+          <a:lstStyle/>
+          <a:p>
+            <a:fld id="{19E86CBC-ED87-4B45-AD59-949EFEA1A6BB}" type="slidenum">
+              <a:rPr lang="en-US" smtClean="0"/>
+              <a:t>4</a:t>
+            </a:fld>
+            <a:endParaRPr lang="en-US"/>
+          </a:p>
+        </p:txBody>
+      </p:sp>
+    </p:spTree>
+    <p:extLst>
+      <p:ext uri="{BB962C8B-B14F-4D97-AF65-F5344CB8AC3E}">
+        <p14:creationId xmlns:p14="http://schemas.microsoft.com/office/powerpoint/2010/main" val="2901151674"/>
+      </p:ext>
+    </p:extLst>
+  </p:cSld>
+  <p:clrMapOvr>
+    <a:masterClrMapping/>
+  </p:clrMapOvr>
+</p:notes>
+</file>
+
+<file path=ppt/notesSlides/notesSlide4.xml><?xml version="1.0" encoding="utf-8"?>
+<p:notes xmlns:a="http://schemas.openxmlformats.org/drawingml/2006/main" xmlns:r="http://schemas.openxmlformats.org/officeDocument/2006/relationships" xmlns:p="http://schemas.openxmlformats.org/presentationml/2006/main">
+  <p:cSld>
+    <p:spTree>
+      <p:nvGrpSpPr>
+        <p:cNvPr id="1" name=""/>
+        <p:cNvGrpSpPr/>
+        <p:nvPr/>
+      </p:nvGrpSpPr>
+      <p:grpSpPr>
+        <a:xfrm>
+          <a:off x="0" y="0"/>
+          <a:ext cx="0" cy="0"/>
+          <a:chOff x="0" y="0"/>
+          <a:chExt cx="0" cy="0"/>
+        </a:xfrm>
+      </p:grpSpPr>
+      <p:sp>
+        <p:nvSpPr>
+          <p:cNvPr id="2" name="投影片影像版面配置區 1"/>
+          <p:cNvSpPr>
+            <a:spLocks noGrp="1" noRot="1" noChangeAspect="1"/>
+          </p:cNvSpPr>
+          <p:nvPr>
+            <p:ph type="sldImg"/>
+          </p:nvPr>
+        </p:nvSpPr>
+        <p:spPr/>
+      </p:sp>
+      <p:sp>
+        <p:nvSpPr>
+          <p:cNvPr id="3" name="備忘稿版面配置區 2"/>
+          <p:cNvSpPr>
+            <a:spLocks noGrp="1"/>
+          </p:cNvSpPr>
+          <p:nvPr>
+            <p:ph type="body" idx="1"/>
+          </p:nvPr>
+        </p:nvSpPr>
+        <p:spPr/>
+        <p:txBody>
+          <a:bodyPr/>
+          <a:lstStyle/>
+          <a:p>
+            <a:endParaRPr lang="zh-TW" altLang="en-US" dirty="0"/>
+          </a:p>
+        </p:txBody>
+      </p:sp>
+      <p:sp>
+        <p:nvSpPr>
+          <p:cNvPr id="4" name="投影片編號版面配置區 3"/>
+          <p:cNvSpPr>
+            <a:spLocks noGrp="1"/>
+          </p:cNvSpPr>
+          <p:nvPr>
+            <p:ph type="sldNum" sz="quarter" idx="5"/>
+          </p:nvPr>
+        </p:nvSpPr>
+        <p:spPr/>
+        <p:txBody>
+          <a:bodyPr/>
+          <a:lstStyle/>
+          <a:p>
+            <a:fld id="{19E86CBC-ED87-4B45-AD59-949EFEA1A6BB}" type="slidenum">
+              <a:rPr lang="en-US" smtClean="0"/>
+              <a:t>5</a:t>
+            </a:fld>
+            <a:endParaRPr lang="en-US"/>
+          </a:p>
+        </p:txBody>
+      </p:sp>
+    </p:spTree>
+    <p:extLst>
+      <p:ext uri="{BB962C8B-B14F-4D97-AF65-F5344CB8AC3E}">
+        <p14:creationId xmlns:p14="http://schemas.microsoft.com/office/powerpoint/2010/main" val="2074275249"/>
+      </p:ext>
+    </p:extLst>
+  </p:cSld>
+  <p:clrMapOvr>
+    <a:masterClrMapping/>
+  </p:clrMapOvr>
+</p:notes>
+</file>
+
+<file path=ppt/notesSlides/notesSlide5.xml><?xml version="1.0" encoding="utf-8"?>
+<p:notes xmlns:a="http://schemas.openxmlformats.org/drawingml/2006/main" xmlns:r="http://schemas.openxmlformats.org/officeDocument/2006/relationships" xmlns:p="http://schemas.openxmlformats.org/presentationml/2006/main">
+  <p:cSld>
+    <p:spTree>
+      <p:nvGrpSpPr>
+        <p:cNvPr id="1" name="">
+          <a:extLst>
+            <a:ext uri="{FF2B5EF4-FFF2-40B4-BE49-F238E27FC236}">
+              <a16:creationId xmlns:a16="http://schemas.microsoft.com/office/drawing/2014/main" id="{8FB1ACC7-09FA-FB28-27FE-18958699FC56}"/>
+            </a:ext>
+          </a:extLst>
+        </p:cNvPr>
+        <p:cNvGrpSpPr/>
+        <p:nvPr/>
+      </p:nvGrpSpPr>
+      <p:grpSpPr>
+        <a:xfrm>
+          <a:off x="0" y="0"/>
+          <a:ext cx="0" cy="0"/>
+          <a:chOff x="0" y="0"/>
+          <a:chExt cx="0" cy="0"/>
+        </a:xfrm>
+      </p:grpSpPr>
+      <p:sp>
+        <p:nvSpPr>
+          <p:cNvPr id="2" name="投影片影像版面配置區 1">
+            <a:extLst>
+              <a:ext uri="{FF2B5EF4-FFF2-40B4-BE49-F238E27FC236}">
+                <a16:creationId xmlns:a16="http://schemas.microsoft.com/office/drawing/2014/main" id="{3EC0FAAD-C042-9B4C-A296-D1370A6AC801}"/>
+              </a:ext>
+            </a:extLst>
+          </p:cNvPr>
+          <p:cNvSpPr>
+            <a:spLocks noGrp="1" noRot="1" noChangeAspect="1"/>
+          </p:cNvSpPr>
+          <p:nvPr>
+            <p:ph type="sldImg"/>
+          </p:nvPr>
+        </p:nvSpPr>
+        <p:spPr/>
+      </p:sp>
+      <p:sp>
+        <p:nvSpPr>
+          <p:cNvPr id="3" name="備忘稿版面配置區 2">
+            <a:extLst>
+              <a:ext uri="{FF2B5EF4-FFF2-40B4-BE49-F238E27FC236}">
+                <a16:creationId xmlns:a16="http://schemas.microsoft.com/office/drawing/2014/main" id="{C90216F6-1E6D-54A7-2D9A-459CD01B2CB7}"/>
+              </a:ext>
+            </a:extLst>
+          </p:cNvPr>
+          <p:cNvSpPr>
+            <a:spLocks noGrp="1"/>
+          </p:cNvSpPr>
+          <p:nvPr>
+            <p:ph type="body" idx="1"/>
+          </p:nvPr>
+        </p:nvSpPr>
+        <p:spPr/>
+        <p:txBody>
+          <a:bodyPr/>
+          <a:lstStyle/>
+          <a:p>
+            <a:endParaRPr lang="zh-TW" altLang="en-US" dirty="0"/>
+          </a:p>
+        </p:txBody>
+      </p:sp>
+      <p:sp>
+        <p:nvSpPr>
+          <p:cNvPr id="4" name="投影片編號版面配置區 3">
+            <a:extLst>
+              <a:ext uri="{FF2B5EF4-FFF2-40B4-BE49-F238E27FC236}">
+                <a16:creationId xmlns:a16="http://schemas.microsoft.com/office/drawing/2014/main" id="{4EDD48BB-B8EE-04D2-7BFB-91502BEDB873}"/>
+              </a:ext>
+            </a:extLst>
+          </p:cNvPr>
+          <p:cNvSpPr>
+            <a:spLocks noGrp="1"/>
+          </p:cNvSpPr>
+          <p:nvPr>
+            <p:ph type="sldNum" sz="quarter" idx="5"/>
+          </p:nvPr>
+        </p:nvSpPr>
+        <p:spPr/>
+        <p:txBody>
+          <a:bodyPr/>
+          <a:lstStyle/>
+          <a:p>
+            <a:fld id="{19E86CBC-ED87-4B45-AD59-949EFEA1A6BB}" type="slidenum">
+              <a:rPr lang="en-US" smtClean="0"/>
+              <a:t>6</a:t>
+            </a:fld>
+            <a:endParaRPr lang="en-US"/>
+          </a:p>
+        </p:txBody>
+      </p:sp>
+    </p:spTree>
+    <p:extLst>
+      <p:ext uri="{BB962C8B-B14F-4D97-AF65-F5344CB8AC3E}">
+        <p14:creationId xmlns:p14="http://schemas.microsoft.com/office/powerpoint/2010/main" val="2357091589"/>
+      </p:ext>
+    </p:extLst>
+  </p:cSld>
+  <p:clrMapOvr>
+    <a:masterClrMapping/>
+  </p:clrMapOvr>
+</p:notes>
+</file>
+
+<file path=ppt/notesSlides/notesSlide6.xml><?xml version="1.0" encoding="utf-8"?>
+<p:notes xmlns:a="http://schemas.openxmlformats.org/drawingml/2006/main" xmlns:r="http://schemas.openxmlformats.org/officeDocument/2006/relationships" xmlns:p="http://schemas.openxmlformats.org/presentationml/2006/main">
+  <p:cSld>
+    <p:spTree>
+      <p:nvGrpSpPr>
+        <p:cNvPr id="1" name="">
+          <a:extLst>
+            <a:ext uri="{FF2B5EF4-FFF2-40B4-BE49-F238E27FC236}">
+              <a16:creationId xmlns:a16="http://schemas.microsoft.com/office/drawing/2014/main" id="{C901EE11-CE4F-882D-A9FE-5471E9CE9C5E}"/>
+            </a:ext>
+          </a:extLst>
+        </p:cNvPr>
+        <p:cNvGrpSpPr/>
+        <p:nvPr/>
+      </p:nvGrpSpPr>
+      <p:grpSpPr>
+        <a:xfrm>
+          <a:off x="0" y="0"/>
+          <a:ext cx="0" cy="0"/>
+          <a:chOff x="0" y="0"/>
+          <a:chExt cx="0" cy="0"/>
+        </a:xfrm>
+      </p:grpSpPr>
+      <p:sp>
+        <p:nvSpPr>
+          <p:cNvPr id="2" name="投影片影像版面配置區 1">
+            <a:extLst>
+              <a:ext uri="{FF2B5EF4-FFF2-40B4-BE49-F238E27FC236}">
+                <a16:creationId xmlns:a16="http://schemas.microsoft.com/office/drawing/2014/main" id="{5F1A3E09-1943-CAB4-6B97-A57300DF4F7D}"/>
+              </a:ext>
+            </a:extLst>
+          </p:cNvPr>
+          <p:cNvSpPr>
+            <a:spLocks noGrp="1" noRot="1" noChangeAspect="1"/>
+          </p:cNvSpPr>
+          <p:nvPr>
+            <p:ph type="sldImg"/>
+          </p:nvPr>
+        </p:nvSpPr>
+        <p:spPr/>
+      </p:sp>
+      <p:sp>
+        <p:nvSpPr>
+          <p:cNvPr id="3" name="備忘稿版面配置區 2">
+            <a:extLst>
+              <a:ext uri="{FF2B5EF4-FFF2-40B4-BE49-F238E27FC236}">
+                <a16:creationId xmlns:a16="http://schemas.microsoft.com/office/drawing/2014/main" id="{94AAA766-02A3-6029-6743-DBBC06C16E88}"/>
+              </a:ext>
+            </a:extLst>
+          </p:cNvPr>
+          <p:cNvSpPr>
+            <a:spLocks noGrp="1"/>
+          </p:cNvSpPr>
+          <p:nvPr>
+            <p:ph type="body" idx="1"/>
+          </p:nvPr>
+        </p:nvSpPr>
+        <p:spPr/>
+        <p:txBody>
+          <a:bodyPr/>
+          <a:lstStyle/>
+          <a:p>
+            <a:endParaRPr lang="zh-TW" altLang="en-US" dirty="0"/>
+          </a:p>
+        </p:txBody>
+      </p:sp>
+      <p:sp>
+        <p:nvSpPr>
+          <p:cNvPr id="4" name="投影片編號版面配置區 3">
+            <a:extLst>
+              <a:ext uri="{FF2B5EF4-FFF2-40B4-BE49-F238E27FC236}">
+                <a16:creationId xmlns:a16="http://schemas.microsoft.com/office/drawing/2014/main" id="{0F80A265-3611-AFFC-DE78-AFF8480DA795}"/>
+              </a:ext>
+            </a:extLst>
+          </p:cNvPr>
+          <p:cNvSpPr>
+            <a:spLocks noGrp="1"/>
+          </p:cNvSpPr>
+          <p:nvPr>
+            <p:ph type="sldNum" sz="quarter" idx="5"/>
+          </p:nvPr>
+        </p:nvSpPr>
+        <p:spPr/>
+        <p:txBody>
+          <a:bodyPr/>
+          <a:lstStyle/>
+          <a:p>
+            <a:fld id="{19E86CBC-ED87-4B45-AD59-949EFEA1A6BB}" type="slidenum">
+              <a:rPr lang="en-US" smtClean="0"/>
+              <a:t>7</a:t>
+            </a:fld>
+            <a:endParaRPr lang="en-US"/>
+          </a:p>
+        </p:txBody>
+      </p:sp>
+    </p:spTree>
+    <p:extLst>
+      <p:ext uri="{BB962C8B-B14F-4D97-AF65-F5344CB8AC3E}">
+        <p14:creationId xmlns:p14="http://schemas.microsoft.com/office/powerpoint/2010/main" val="1056688823"/>
+      </p:ext>
+    </p:extLst>
+  </p:cSld>
+  <p:clrMapOvr>
+    <a:masterClrMapping/>
+  </p:clrMapOvr>
+</p:notes>
+</file>
+
 <file path=ppt/slideLayouts/slideLayout1.xml><?xml version="1.0" encoding="utf-8"?>
 <p:sldLayout xmlns:a="http://schemas.openxmlformats.org/drawingml/2006/main" xmlns:r="http://schemas.openxmlformats.org/officeDocument/2006/relationships" xmlns:p="http://schemas.openxmlformats.org/presentationml/2006/main" type="title" preserve="1">
   <p:cSld name="Title Slide">
@@ -890,7 +1366,7 @@
           <a:p>
             <a:fld id="{C2D3DE47-1FA0-6945-9A11-362819D8D67B}" type="datetime1">
               <a:rPr lang="en-US" smtClean="0"/>
-              <a:t>3/13/25</a:t>
+              <a:t>3/14/2025</a:t>
             </a:fld>
             <a:endParaRPr lang="en-US"/>
           </a:p>
@@ -1088,7 +1564,7 @@
           <a:p>
             <a:fld id="{5BCF0193-2123-F14F-A649-EACDA8655AD5}" type="datetime1">
               <a:rPr lang="en-US" smtClean="0"/>
-              <a:t>3/13/25</a:t>
+              <a:t>3/14/2025</a:t>
             </a:fld>
             <a:endParaRPr lang="en-US"/>
           </a:p>
@@ -1326,7 +1802,7 @@
           <a:p>
             <a:fld id="{380B12C6-F80E-6A40-B426-E539A898473B}" type="datetime1">
               <a:rPr lang="en-US" smtClean="0"/>
-              <a:t>3/13/25</a:t>
+              <a:t>3/14/2025</a:t>
             </a:fld>
             <a:endParaRPr lang="en-US"/>
           </a:p>
@@ -1554,7 +2030,7 @@
           <a:p>
             <a:fld id="{FF89A972-FC5E-0C48-A4D4-13A5F2CB5FB6}" type="datetime1">
               <a:rPr lang="en-US" smtClean="0"/>
-              <a:t>3/13/25</a:t>
+              <a:t>3/14/2025</a:t>
             </a:fld>
             <a:endParaRPr lang="en-US"/>
           </a:p>
@@ -1859,7 +2335,7 @@
           <a:p>
             <a:fld id="{39E9A4AC-3B68-A048-BD5C-B1A03F8B7E31}" type="datetime1">
               <a:rPr lang="en-US" smtClean="0"/>
-              <a:t>3/13/25</a:t>
+              <a:t>3/14/2025</a:t>
             </a:fld>
             <a:endParaRPr lang="en-US"/>
           </a:p>
@@ -2154,7 +2630,7 @@
           <a:p>
             <a:fld id="{C26485C3-9F1B-9D4B-8BDC-69692507CF36}" type="datetime1">
               <a:rPr lang="en-US" smtClean="0"/>
-              <a:t>3/13/25</a:t>
+              <a:t>3/14/2025</a:t>
             </a:fld>
             <a:endParaRPr lang="en-US"/>
           </a:p>
@@ -2596,7 +3072,7 @@
           <a:p>
             <a:fld id="{CFC9EE40-8FF1-5E49-99BC-178D99558DB4}" type="datetime1">
               <a:rPr lang="en-US" smtClean="0"/>
-              <a:t>3/13/25</a:t>
+              <a:t>3/14/2025</a:t>
             </a:fld>
             <a:endParaRPr lang="en-US"/>
           </a:p>
@@ -2767,7 +3243,7 @@
           <a:p>
             <a:fld id="{FE4D24EA-4AEC-BC43-8BC5-5C733292AAC5}" type="datetime1">
               <a:rPr lang="en-US" smtClean="0"/>
-              <a:t>3/13/25</a:t>
+              <a:t>3/14/2025</a:t>
             </a:fld>
             <a:endParaRPr lang="en-US"/>
           </a:p>
@@ -2910,7 +3386,7 @@
           <a:p>
             <a:fld id="{97A04519-E67B-6C4A-A013-A3893424126E}" type="datetime1">
               <a:rPr lang="en-US" smtClean="0"/>
-              <a:t>3/13/25</a:t>
+              <a:t>3/14/2025</a:t>
             </a:fld>
             <a:endParaRPr lang="en-US"/>
           </a:p>
@@ -3251,7 +3727,7 @@
           <a:p>
             <a:fld id="{95F28B83-DF1D-FC4A-B4D3-292870CA6B9A}" type="datetime1">
               <a:rPr lang="en-US" smtClean="0"/>
-              <a:t>3/13/25</a:t>
+              <a:t>3/14/2025</a:t>
             </a:fld>
             <a:endParaRPr lang="en-US"/>
           </a:p>
@@ -3569,7 +4045,7 @@
           <a:p>
             <a:fld id="{9C9BE846-DE9B-8A49-8269-348126CDA0C3}" type="datetime1">
               <a:rPr lang="en-US" smtClean="0"/>
-              <a:t>3/13/25</a:t>
+              <a:t>3/14/2025</a:t>
             </a:fld>
             <a:endParaRPr lang="en-US"/>
           </a:p>
@@ -3849,7 +4325,7 @@
           <a:p>
             <a:fld id="{47902E27-D44F-7340-8330-13703F478D55}" type="datetime1">
               <a:rPr lang="en-US" smtClean="0"/>
-              <a:t>3/13/25</a:t>
+              <a:t>3/14/2025</a:t>
             </a:fld>
             <a:endParaRPr lang="en-US"/>
           </a:p>
@@ -4335,29 +4811,31 @@
               </a:lnSpc>
             </a:pPr>
             <a:r>
-              <a:rPr lang="en-US" altLang="zh-TW" sz="3200" b="1" dirty="0" err="1">
+              <a:rPr lang="en-US" altLang="zh-TW" sz="3200" b="1" dirty="0">
                 <a:solidFill>
                   <a:schemeClr val="bg1"/>
                 </a:solidFill>
                 <a:latin typeface="Tw Cen MT" panose="020B0602020104020603" pitchFamily="34" charset="77"/>
               </a:rPr>
-              <a:t>Sionna</a:t>
-            </a:r>
-            <a:r>
-              <a:rPr lang="zh-TW" altLang="en-US" sz="3200" b="1" dirty="0">
+              <a:t>NVIDIA Sionna: An Open-Source Library </a:t>
+            </a:r>
+            <a:br>
+              <a:rPr lang="en-US" altLang="zh-TW" sz="3200" b="1" dirty="0">
                 <a:solidFill>
                   <a:schemeClr val="bg1"/>
                 </a:solidFill>
                 <a:latin typeface="Tw Cen MT" panose="020B0602020104020603" pitchFamily="34" charset="77"/>
               </a:rPr>
-              <a:t>介紹</a:t>
-            </a:r>
-            <a:endParaRPr lang="en-US" altLang="zh-TW" sz="3200" b="1" dirty="0">
-              <a:solidFill>
-                <a:schemeClr val="bg1"/>
-              </a:solidFill>
-              <a:latin typeface="Tw Cen MT" panose="020B0602020104020603" pitchFamily="34" charset="77"/>
-            </a:endParaRPr>
+            </a:br>
+            <a:r>
+              <a:rPr lang="en-US" altLang="zh-TW" sz="3200" b="1" dirty="0">
+                <a:solidFill>
+                  <a:schemeClr val="bg1"/>
+                </a:solidFill>
+                <a:latin typeface="Tw Cen MT" panose="020B0602020104020603" pitchFamily="34" charset="77"/>
+              </a:rPr>
+              <a:t>for 6G Physical-Layer Research</a:t>
+            </a:r>
           </a:p>
         </p:txBody>
       </p:sp>
@@ -4637,6 +5115,119 @@
 </p:sld>
 </file>
 
+<file path=ppt/slides/slide10.xml><?xml version="1.0" encoding="utf-8"?>
+<p:sld xmlns:a="http://schemas.openxmlformats.org/drawingml/2006/main" xmlns:r="http://schemas.openxmlformats.org/officeDocument/2006/relationships" xmlns:p="http://schemas.openxmlformats.org/presentationml/2006/main">
+  <p:cSld>
+    <p:spTree>
+      <p:nvGrpSpPr>
+        <p:cNvPr id="1" name=""/>
+        <p:cNvGrpSpPr/>
+        <p:nvPr/>
+      </p:nvGrpSpPr>
+      <p:grpSpPr>
+        <a:xfrm>
+          <a:off x="0" y="0"/>
+          <a:ext cx="0" cy="0"/>
+          <a:chOff x="0" y="0"/>
+          <a:chExt cx="0" cy="0"/>
+        </a:xfrm>
+      </p:grpSpPr>
+      <p:sp>
+        <p:nvSpPr>
+          <p:cNvPr id="2" name="標題 1">
+            <a:extLst>
+              <a:ext uri="{FF2B5EF4-FFF2-40B4-BE49-F238E27FC236}">
+                <a16:creationId xmlns:a16="http://schemas.microsoft.com/office/drawing/2014/main" id="{542305F7-0F6A-A199-0A5D-64270FA0F24E}"/>
+              </a:ext>
+            </a:extLst>
+          </p:cNvPr>
+          <p:cNvSpPr>
+            <a:spLocks noGrp="1"/>
+          </p:cNvSpPr>
+          <p:nvPr>
+            <p:ph type="title"/>
+          </p:nvPr>
+        </p:nvSpPr>
+        <p:spPr/>
+        <p:txBody>
+          <a:bodyPr/>
+          <a:lstStyle/>
+          <a:p>
+            <a:r>
+              <a:rPr kumimoji="1" lang="en-US" altLang="zh-TW" dirty="0"/>
+              <a:t>Case 3 : Neural receiver</a:t>
+            </a:r>
+            <a:endParaRPr kumimoji="1" lang="zh-TW" altLang="en-US" dirty="0"/>
+          </a:p>
+        </p:txBody>
+      </p:sp>
+      <p:sp>
+        <p:nvSpPr>
+          <p:cNvPr id="3" name="內容版面配置區 2">
+            <a:extLst>
+              <a:ext uri="{FF2B5EF4-FFF2-40B4-BE49-F238E27FC236}">
+                <a16:creationId xmlns:a16="http://schemas.microsoft.com/office/drawing/2014/main" id="{471D54A4-42ED-6770-C762-A6FB791D7DD2}"/>
+              </a:ext>
+            </a:extLst>
+          </p:cNvPr>
+          <p:cNvSpPr>
+            <a:spLocks noGrp="1"/>
+          </p:cNvSpPr>
+          <p:nvPr>
+            <p:ph idx="1"/>
+          </p:nvPr>
+        </p:nvSpPr>
+        <p:spPr/>
+        <p:txBody>
+          <a:bodyPr/>
+          <a:lstStyle/>
+          <a:p>
+            <a:endParaRPr kumimoji="1" lang="zh-TW" altLang="en-US"/>
+          </a:p>
+        </p:txBody>
+      </p:sp>
+      <p:sp>
+        <p:nvSpPr>
+          <p:cNvPr id="4" name="投影片編號版面配置區 3">
+            <a:extLst>
+              <a:ext uri="{FF2B5EF4-FFF2-40B4-BE49-F238E27FC236}">
+                <a16:creationId xmlns:a16="http://schemas.microsoft.com/office/drawing/2014/main" id="{D598A983-1747-D791-FD91-D8280EAC55FA}"/>
+              </a:ext>
+            </a:extLst>
+          </p:cNvPr>
+          <p:cNvSpPr>
+            <a:spLocks noGrp="1"/>
+          </p:cNvSpPr>
+          <p:nvPr>
+            <p:ph type="sldNum" sz="quarter" idx="12"/>
+          </p:nvPr>
+        </p:nvSpPr>
+        <p:spPr/>
+        <p:txBody>
+          <a:bodyPr/>
+          <a:lstStyle/>
+          <a:p>
+            <a:fld id="{67BC117D-83F2-EB4A-AF21-EDA51D737CAD}" type="slidenum">
+              <a:rPr lang="en-US" smtClean="0"/>
+              <a:t>10</a:t>
+            </a:fld>
+            <a:endParaRPr lang="en-US"/>
+          </a:p>
+        </p:txBody>
+      </p:sp>
+    </p:spTree>
+    <p:extLst>
+      <p:ext uri="{BB962C8B-B14F-4D97-AF65-F5344CB8AC3E}">
+        <p14:creationId xmlns:p14="http://schemas.microsoft.com/office/powerpoint/2010/main" val="287085044"/>
+      </p:ext>
+    </p:extLst>
+  </p:cSld>
+  <p:clrMapOvr>
+    <a:masterClrMapping/>
+  </p:clrMapOvr>
+</p:sld>
+</file>
+
 <file path=ppt/slides/slide2.xml><?xml version="1.0" encoding="utf-8"?>
 <p:sld xmlns:a="http://schemas.openxmlformats.org/drawingml/2006/main" xmlns:r="http://schemas.openxmlformats.org/officeDocument/2006/relationships" xmlns:p="http://schemas.openxmlformats.org/presentationml/2006/main">
   <p:cSld>
@@ -4712,7 +5303,50 @@
           <a:bodyPr/>
           <a:lstStyle/>
           <a:p>
-            <a:endParaRPr kumimoji="1" lang="zh-TW" altLang="en-US"/>
+            <a:r>
+              <a:rPr lang="en-US" altLang="zh-TW" dirty="0"/>
+              <a:t>Open-source Wireless Communication Simulation Framework</a:t>
+            </a:r>
+          </a:p>
+          <a:p>
+            <a:r>
+              <a:rPr lang="en-US" altLang="zh-TW" dirty="0"/>
+              <a:t>Built upon </a:t>
+            </a:r>
+            <a:r>
+              <a:rPr lang="en-US" altLang="zh-TW" b="1" dirty="0"/>
+              <a:t>TensorFlow</a:t>
+            </a:r>
+            <a:r>
+              <a:rPr lang="en-US" altLang="zh-TW" dirty="0"/>
+              <a:t>, designed for developing, analyzing, and validating wireless communication algorithms</a:t>
+            </a:r>
+          </a:p>
+          <a:p>
+            <a:r>
+              <a:rPr kumimoji="1" lang="en-US" altLang="zh-TW" dirty="0"/>
+              <a:t>Includes extensive modules covering essential parts of communication systems: channel models, coding schemes, MIMO, OFDM, and more</a:t>
+            </a:r>
+          </a:p>
+          <a:p>
+            <a:r>
+              <a:rPr lang="en-US" altLang="zh-TW" dirty="0"/>
+              <a:t>Particularly suited for research and development in modern wireless standards such as </a:t>
+            </a:r>
+            <a:r>
+              <a:rPr lang="en-US" altLang="zh-TW" b="1" dirty="0"/>
+              <a:t>5G/6G</a:t>
+            </a:r>
+            <a:r>
+              <a:rPr lang="en-US" altLang="zh-TW" dirty="0"/>
+              <a:t>.</a:t>
+            </a:r>
+          </a:p>
+          <a:p>
+            <a:endParaRPr kumimoji="1" lang="en-US" altLang="zh-TW" dirty="0"/>
+          </a:p>
+          <a:p>
+            <a:endParaRPr kumimoji="1" lang="zh-TW" altLang="en-US" dirty="0"/>
           </a:p>
         </p:txBody>
       </p:sp>
@@ -4745,36 +5379,6 @@
           </a:p>
         </p:txBody>
       </p:sp>
-      <p:pic>
-        <p:nvPicPr>
-          <p:cNvPr id="5" name="圖片 4">
-            <a:extLst>
-              <a:ext uri="{FF2B5EF4-FFF2-40B4-BE49-F238E27FC236}">
-                <a16:creationId xmlns:a16="http://schemas.microsoft.com/office/drawing/2014/main" id="{0C2FDC36-E96D-364F-8DB7-DE1F4445A298}"/>
-              </a:ext>
-            </a:extLst>
-          </p:cNvPr>
-          <p:cNvPicPr>
-            <a:picLocks noChangeAspect="1"/>
-          </p:cNvPicPr>
-          <p:nvPr/>
-        </p:nvPicPr>
-        <p:blipFill>
-          <a:blip r:embed="rId2"/>
-          <a:stretch>
-            <a:fillRect/>
-          </a:stretch>
-        </p:blipFill>
-        <p:spPr>
-          <a:xfrm>
-            <a:off x="1228007" y="1362386"/>
-            <a:ext cx="10125793" cy="2679827"/>
-          </a:xfrm>
-          <a:prstGeom prst="rect">
-            <a:avLst/>
-          </a:prstGeom>
-        </p:spPr>
-      </p:pic>
     </p:spTree>
     <p:extLst>
       <p:ext uri="{BB962C8B-B14F-4D97-AF65-F5344CB8AC3E}">
@@ -4827,12 +5431,8 @@
           <a:lstStyle/>
           <a:p>
             <a:r>
-              <a:rPr kumimoji="1" lang="en-US" altLang="zh-TW" dirty="0"/>
-              <a:t>Benefits of </a:t>
-            </a:r>
-            <a:r>
-              <a:rPr kumimoji="1" lang="en-US" altLang="zh-TW" dirty="0" err="1"/>
-              <a:t>Sionna</a:t>
+              <a:rPr lang="en-US" altLang="zh-TW" dirty="0"/>
+              <a:t>Key Features of Sionna</a:t>
             </a:r>
             <a:endParaRPr kumimoji="1" lang="zh-TW" altLang="en-US" dirty="0"/>
           </a:p>
@@ -4856,23 +5456,102 @@
         </p:nvSpPr>
         <p:spPr/>
         <p:txBody>
-          <a:bodyPr/>
-          <a:lstStyle/>
-          <a:p>
-            <a:r>
-              <a:rPr kumimoji="1" lang="en-US" altLang="zh-TW" dirty="0"/>
-              <a:t>Native AI support</a:t>
-            </a:r>
-          </a:p>
-          <a:p>
-            <a:endParaRPr kumimoji="1" lang="en-US" altLang="zh-TW" dirty="0"/>
-          </a:p>
-          <a:p>
-            <a:r>
-              <a:rPr kumimoji="1" lang="en-US" altLang="zh-TW" dirty="0"/>
-              <a:t>Open-Source</a:t>
-            </a:r>
-            <a:endParaRPr kumimoji="1" lang="zh-TW" altLang="en-US" dirty="0"/>
+          <a:bodyPr>
+            <a:normAutofit/>
+          </a:bodyPr>
+          <a:lstStyle/>
+          <a:p>
+            <a:r>
+              <a:rPr lang="en-US" altLang="zh-TW" b="1" dirty="0"/>
+              <a:t>Modular &amp; Flexible Design</a:t>
+            </a:r>
+          </a:p>
+          <a:p>
+            <a:pPr lvl="1"/>
+            <a:r>
+              <a:rPr lang="en-US" altLang="zh-TW" dirty="0">
+                <a:solidFill>
+                  <a:srgbClr val="FF0000"/>
+                </a:solidFill>
+              </a:rPr>
+              <a:t>Modular architecture </a:t>
+            </a:r>
+            <a:r>
+              <a:rPr lang="en-US" altLang="zh-TW" dirty="0"/>
+              <a:t>that can be easily customized or extended.</a:t>
+            </a:r>
+          </a:p>
+          <a:p>
+            <a:pPr lvl="1"/>
+            <a:r>
+              <a:rPr lang="en-US" altLang="zh-TW" dirty="0"/>
+              <a:t>Allows </a:t>
+            </a:r>
+            <a:r>
+              <a:rPr lang="en-US" altLang="zh-TW" dirty="0">
+                <a:solidFill>
+                  <a:srgbClr val="FF0000"/>
+                </a:solidFill>
+              </a:rPr>
+              <a:t>quick prototyping </a:t>
+            </a:r>
+            <a:r>
+              <a:rPr lang="en-US" altLang="zh-TW" dirty="0"/>
+              <a:t>of complex communication systems.</a:t>
+            </a:r>
+            <a:endParaRPr lang="en-US" altLang="zh-TW" b="1" dirty="0"/>
+          </a:p>
+          <a:p>
+            <a:r>
+              <a:rPr lang="en-US" altLang="zh-TW" b="1" dirty="0">
+                <a:solidFill>
+                  <a:schemeClr val="bg2"/>
+                </a:solidFill>
+              </a:rPr>
+              <a:t>Integration with Deep Learning</a:t>
+            </a:r>
+          </a:p>
+          <a:p>
+            <a:pPr lvl="1"/>
+            <a:r>
+              <a:rPr lang="en-US" altLang="zh-TW" dirty="0">
+                <a:solidFill>
+                  <a:schemeClr val="bg2"/>
+                </a:solidFill>
+              </a:rPr>
+              <a:t>Parameters are constructed using TensorFlow</a:t>
+            </a:r>
+            <a:endParaRPr lang="en-US" altLang="zh-TW" b="1" dirty="0">
+              <a:solidFill>
+                <a:schemeClr val="bg2"/>
+              </a:solidFill>
+            </a:endParaRPr>
+          </a:p>
+          <a:p>
+            <a:r>
+              <a:rPr lang="en-US" altLang="zh-TW" b="1" dirty="0">
+                <a:solidFill>
+                  <a:schemeClr val="bg2"/>
+                </a:solidFill>
+              </a:rPr>
+              <a:t>High Computational Efficiency</a:t>
+            </a:r>
+          </a:p>
+          <a:p>
+            <a:pPr lvl="1"/>
+            <a:r>
+              <a:rPr kumimoji="1" lang="en-US" altLang="zh-TW" dirty="0">
+                <a:solidFill>
+                  <a:schemeClr val="bg2"/>
+                </a:solidFill>
+              </a:rPr>
+              <a:t>Accelerated by GPU computing</a:t>
+            </a:r>
+            <a:endParaRPr kumimoji="1" lang="zh-TW" altLang="en-US" dirty="0">
+              <a:solidFill>
+                <a:schemeClr val="bg2"/>
+              </a:solidFill>
+            </a:endParaRPr>
           </a:p>
         </p:txBody>
       </p:sp>
@@ -4923,7 +5602,13 @@
   <p:cSld>
     <p:spTree>
       <p:nvGrpSpPr>
-        <p:cNvPr id="1" name=""/>
+        <p:cNvPr id="1" name="">
+          <a:extLst>
+            <a:ext uri="{FF2B5EF4-FFF2-40B4-BE49-F238E27FC236}">
+              <a16:creationId xmlns:a16="http://schemas.microsoft.com/office/drawing/2014/main" id="{7F08E86B-95C8-13C2-7775-FF57E994229A}"/>
+            </a:ext>
+          </a:extLst>
+        </p:cNvPr>
         <p:cNvGrpSpPr/>
         <p:nvPr/>
       </p:nvGrpSpPr>
@@ -4940,7 +5625,7 @@
           <p:cNvPr id="2" name="標題 1">
             <a:extLst>
               <a:ext uri="{FF2B5EF4-FFF2-40B4-BE49-F238E27FC236}">
-                <a16:creationId xmlns:a16="http://schemas.microsoft.com/office/drawing/2014/main" id="{F0E2E115-B904-3FCE-D4E1-ABBE3C000FAD}"/>
+                <a16:creationId xmlns:a16="http://schemas.microsoft.com/office/drawing/2014/main" id="{4CD003E2-4A7C-8C76-CD9C-5CE977BF511D}"/>
               </a:ext>
             </a:extLst>
           </p:cNvPr>
@@ -4957,48 +5642,136 @@
           <a:lstStyle/>
           <a:p>
             <a:r>
-              <a:rPr kumimoji="1" lang="en-US" altLang="zh-TW" dirty="0"/>
-              <a:t>Case 1 : Link-level simulation</a:t>
+              <a:rPr lang="en-US" altLang="zh-TW" dirty="0"/>
+              <a:t>Key Features of Sionna</a:t>
             </a:r>
             <a:endParaRPr kumimoji="1" lang="zh-TW" altLang="en-US" dirty="0"/>
           </a:p>
         </p:txBody>
       </p:sp>
-      <p:pic>
-        <p:nvPicPr>
-          <p:cNvPr id="6" name="內容版面配置區 5" descr="一張含有 文字, 螢幕擷取畫面, 字型, 數字 的圖片&#10;&#10;自動產生的描述">
-            <a:extLst>
-              <a:ext uri="{FF2B5EF4-FFF2-40B4-BE49-F238E27FC236}">
-                <a16:creationId xmlns:a16="http://schemas.microsoft.com/office/drawing/2014/main" id="{E1F8033A-229A-0E09-2C4E-78ED83B73EF5}"/>
-              </a:ext>
-            </a:extLst>
-          </p:cNvPr>
-          <p:cNvPicPr>
-            <a:picLocks noGrp="1" noChangeAspect="1"/>
-          </p:cNvPicPr>
+      <p:sp>
+        <p:nvSpPr>
+          <p:cNvPr id="3" name="內容版面配置區 2">
+            <a:extLst>
+              <a:ext uri="{FF2B5EF4-FFF2-40B4-BE49-F238E27FC236}">
+                <a16:creationId xmlns:a16="http://schemas.microsoft.com/office/drawing/2014/main" id="{0C880E8C-ABF4-C662-EFE3-31487E97F2A0}"/>
+              </a:ext>
+            </a:extLst>
+          </p:cNvPr>
+          <p:cNvSpPr>
+            <a:spLocks noGrp="1"/>
+          </p:cNvSpPr>
           <p:nvPr>
             <p:ph idx="1"/>
           </p:nvPr>
-        </p:nvPicPr>
-        <p:blipFill>
-          <a:blip r:embed="rId2"/>
-          <a:stretch>
-            <a:fillRect/>
-          </a:stretch>
-        </p:blipFill>
-        <p:spPr>
-          <a:xfrm>
-            <a:off x="440134" y="1908032"/>
-            <a:ext cx="6592678" cy="2637071"/>
-          </a:xfrm>
-        </p:spPr>
-      </p:pic>
+        </p:nvSpPr>
+        <p:spPr/>
+        <p:txBody>
+          <a:bodyPr>
+            <a:normAutofit/>
+          </a:bodyPr>
+          <a:lstStyle/>
+          <a:p>
+            <a:r>
+              <a:rPr lang="en-US" altLang="zh-TW" b="1" dirty="0"/>
+              <a:t>Modular &amp; Flexible Design</a:t>
+            </a:r>
+          </a:p>
+          <a:p>
+            <a:pPr lvl="1"/>
+            <a:r>
+              <a:rPr lang="en-US" altLang="zh-TW" dirty="0">
+                <a:solidFill>
+                  <a:srgbClr val="FF0000"/>
+                </a:solidFill>
+              </a:rPr>
+              <a:t>Modular architecture </a:t>
+            </a:r>
+            <a:r>
+              <a:rPr lang="en-US" altLang="zh-TW" dirty="0"/>
+              <a:t>that can be easily customized or extended.</a:t>
+            </a:r>
+          </a:p>
+          <a:p>
+            <a:pPr lvl="1"/>
+            <a:r>
+              <a:rPr lang="en-US" altLang="zh-TW" dirty="0"/>
+              <a:t>Allows </a:t>
+            </a:r>
+            <a:r>
+              <a:rPr lang="en-US" altLang="zh-TW" dirty="0">
+                <a:solidFill>
+                  <a:srgbClr val="FF0000"/>
+                </a:solidFill>
+              </a:rPr>
+              <a:t>quick prototyping </a:t>
+            </a:r>
+            <a:r>
+              <a:rPr lang="en-US" altLang="zh-TW" dirty="0"/>
+              <a:t>of complex communication systems.</a:t>
+            </a:r>
+            <a:endParaRPr lang="en-US" altLang="zh-TW" b="1" dirty="0"/>
+          </a:p>
+          <a:p>
+            <a:r>
+              <a:rPr lang="en-US" altLang="zh-TW" b="1" dirty="0">
+                <a:solidFill>
+                  <a:schemeClr val="bg2"/>
+                </a:solidFill>
+              </a:rPr>
+              <a:t>Integration with Deep Learning</a:t>
+            </a:r>
+          </a:p>
+          <a:p>
+            <a:pPr lvl="1"/>
+            <a:r>
+              <a:rPr lang="en-US" altLang="zh-TW" dirty="0">
+                <a:solidFill>
+                  <a:schemeClr val="bg2"/>
+                </a:solidFill>
+              </a:rPr>
+              <a:t>Parameters are constructed using TensorFlow</a:t>
+            </a:r>
+            <a:endParaRPr lang="en-US" altLang="zh-TW" b="1" dirty="0">
+              <a:solidFill>
+                <a:schemeClr val="bg2"/>
+              </a:solidFill>
+            </a:endParaRPr>
+          </a:p>
+          <a:p>
+            <a:r>
+              <a:rPr lang="en-US" altLang="zh-TW" b="1" dirty="0">
+                <a:solidFill>
+                  <a:schemeClr val="bg2"/>
+                </a:solidFill>
+              </a:rPr>
+              <a:t>High Computational Efficiency</a:t>
+            </a:r>
+          </a:p>
+          <a:p>
+            <a:pPr lvl="1"/>
+            <a:r>
+              <a:rPr kumimoji="1" lang="en-US" altLang="zh-TW" dirty="0">
+                <a:solidFill>
+                  <a:schemeClr val="bg2"/>
+                </a:solidFill>
+              </a:rPr>
+              <a:t>Accelerated by GPU computing</a:t>
+            </a:r>
+            <a:endParaRPr kumimoji="1" lang="zh-TW" altLang="en-US" dirty="0">
+              <a:solidFill>
+                <a:schemeClr val="bg2"/>
+              </a:solidFill>
+            </a:endParaRPr>
+          </a:p>
+        </p:txBody>
+      </p:sp>
       <p:sp>
         <p:nvSpPr>
           <p:cNvPr id="4" name="投影片編號版面配置區 3">
             <a:extLst>
               <a:ext uri="{FF2B5EF4-FFF2-40B4-BE49-F238E27FC236}">
-                <a16:creationId xmlns:a16="http://schemas.microsoft.com/office/drawing/2014/main" id="{ADFAC55A-2866-A132-CBA5-1503D756D705}"/>
+                <a16:creationId xmlns:a16="http://schemas.microsoft.com/office/drawing/2014/main" id="{C2D5DA66-470E-842C-EC8B-8E9142E9BEDB}"/>
               </a:ext>
             </a:extLst>
           </p:cNvPr>
@@ -5024,10 +5797,10 @@
       </p:sp>
       <p:pic>
         <p:nvPicPr>
-          <p:cNvPr id="8" name="圖片 7" descr="一張含有 文字, 行, 繪圖, 圖表 的圖片&#10;&#10;自動產生的描述">
-            <a:extLst>
-              <a:ext uri="{FF2B5EF4-FFF2-40B4-BE49-F238E27FC236}">
-                <a16:creationId xmlns:a16="http://schemas.microsoft.com/office/drawing/2014/main" id="{77F6E2A8-6C6C-FE11-A2CB-8321D21FFDBF}"/>
+          <p:cNvPr id="6" name="圖片 5" descr="一張含有 文字, 螢幕擷取畫面, 字型 的圖片&#10;&#10;AI 產生的內容可能不正確。">
+            <a:extLst>
+              <a:ext uri="{FF2B5EF4-FFF2-40B4-BE49-F238E27FC236}">
+                <a16:creationId xmlns:a16="http://schemas.microsoft.com/office/drawing/2014/main" id="{38F1BABD-83DB-ACBA-F8D0-DCD604574AA0}"/>
               </a:ext>
             </a:extLst>
           </p:cNvPr>
@@ -5044,8 +5817,884 @@
         </p:blipFill>
         <p:spPr>
           <a:xfrm>
-            <a:off x="5873376" y="2575604"/>
-            <a:ext cx="5474447" cy="3605123"/>
+            <a:off x="838200" y="3220332"/>
+            <a:ext cx="10219717" cy="1893535"/>
+          </a:xfrm>
+          <a:prstGeom prst="rect">
+            <a:avLst/>
+          </a:prstGeom>
+        </p:spPr>
+      </p:pic>
+    </p:spTree>
+    <p:extLst>
+      <p:ext uri="{BB962C8B-B14F-4D97-AF65-F5344CB8AC3E}">
+        <p14:creationId xmlns:p14="http://schemas.microsoft.com/office/powerpoint/2010/main" val="1886553541"/>
+      </p:ext>
+    </p:extLst>
+  </p:cSld>
+  <p:clrMapOvr>
+    <a:masterClrMapping/>
+  </p:clrMapOvr>
+</p:sld>
+</file>
+
+<file path=ppt/slides/slide5.xml><?xml version="1.0" encoding="utf-8"?>
+<p:sld xmlns:a="http://schemas.openxmlformats.org/drawingml/2006/main" xmlns:r="http://schemas.openxmlformats.org/officeDocument/2006/relationships" xmlns:p="http://schemas.openxmlformats.org/presentationml/2006/main">
+  <p:cSld>
+    <p:spTree>
+      <p:nvGrpSpPr>
+        <p:cNvPr id="1" name="">
+          <a:extLst>
+            <a:ext uri="{FF2B5EF4-FFF2-40B4-BE49-F238E27FC236}">
+              <a16:creationId xmlns:a16="http://schemas.microsoft.com/office/drawing/2014/main" id="{361651A1-DFA2-C311-81E5-3443EC5AACAB}"/>
+            </a:ext>
+          </a:extLst>
+        </p:cNvPr>
+        <p:cNvGrpSpPr/>
+        <p:nvPr/>
+      </p:nvGrpSpPr>
+      <p:grpSpPr>
+        <a:xfrm>
+          <a:off x="0" y="0"/>
+          <a:ext cx="0" cy="0"/>
+          <a:chOff x="0" y="0"/>
+          <a:chExt cx="0" cy="0"/>
+        </a:xfrm>
+      </p:grpSpPr>
+      <p:sp>
+        <p:nvSpPr>
+          <p:cNvPr id="2" name="標題 1">
+            <a:extLst>
+              <a:ext uri="{FF2B5EF4-FFF2-40B4-BE49-F238E27FC236}">
+                <a16:creationId xmlns:a16="http://schemas.microsoft.com/office/drawing/2014/main" id="{2831E0F3-1D9A-0893-CCFF-C288D0391E99}"/>
+              </a:ext>
+            </a:extLst>
+          </p:cNvPr>
+          <p:cNvSpPr>
+            <a:spLocks noGrp="1"/>
+          </p:cNvSpPr>
+          <p:nvPr>
+            <p:ph type="title"/>
+          </p:nvPr>
+        </p:nvSpPr>
+        <p:spPr/>
+        <p:txBody>
+          <a:bodyPr/>
+          <a:lstStyle/>
+          <a:p>
+            <a:r>
+              <a:rPr lang="en-US" altLang="zh-TW" dirty="0"/>
+              <a:t>Key Features of Sionna</a:t>
+            </a:r>
+            <a:endParaRPr kumimoji="1" lang="zh-TW" altLang="en-US" dirty="0"/>
+          </a:p>
+        </p:txBody>
+      </p:sp>
+      <p:sp>
+        <p:nvSpPr>
+          <p:cNvPr id="3" name="內容版面配置區 2">
+            <a:extLst>
+              <a:ext uri="{FF2B5EF4-FFF2-40B4-BE49-F238E27FC236}">
+                <a16:creationId xmlns:a16="http://schemas.microsoft.com/office/drawing/2014/main" id="{126AF8A5-87FB-203B-D5E3-998879167311}"/>
+              </a:ext>
+            </a:extLst>
+          </p:cNvPr>
+          <p:cNvSpPr>
+            <a:spLocks noGrp="1"/>
+          </p:cNvSpPr>
+          <p:nvPr>
+            <p:ph idx="1"/>
+          </p:nvPr>
+        </p:nvSpPr>
+        <p:spPr/>
+        <p:txBody>
+          <a:bodyPr>
+            <a:normAutofit/>
+          </a:bodyPr>
+          <a:lstStyle/>
+          <a:p>
+            <a:r>
+              <a:rPr lang="en-US" altLang="zh-TW" b="1" dirty="0">
+                <a:solidFill>
+                  <a:schemeClr val="bg2"/>
+                </a:solidFill>
+              </a:rPr>
+              <a:t>Modular &amp; Flexible Design</a:t>
+            </a:r>
+          </a:p>
+          <a:p>
+            <a:pPr lvl="1"/>
+            <a:r>
+              <a:rPr lang="en-US" altLang="zh-TW" dirty="0">
+                <a:solidFill>
+                  <a:schemeClr val="bg2"/>
+                </a:solidFill>
+              </a:rPr>
+              <a:t>Modular architecture that can be easily customized or extended.</a:t>
+            </a:r>
+          </a:p>
+          <a:p>
+            <a:pPr lvl="1"/>
+            <a:r>
+              <a:rPr lang="en-US" altLang="zh-TW" dirty="0">
+                <a:solidFill>
+                  <a:schemeClr val="bg2"/>
+                </a:solidFill>
+              </a:rPr>
+              <a:t>Allows quick prototyping of complex communication systems.</a:t>
+            </a:r>
+            <a:endParaRPr lang="en-US" altLang="zh-TW" b="1" dirty="0">
+              <a:solidFill>
+                <a:schemeClr val="bg2"/>
+              </a:solidFill>
+            </a:endParaRPr>
+          </a:p>
+          <a:p>
+            <a:r>
+              <a:rPr lang="en-US" altLang="zh-TW" b="1" dirty="0"/>
+              <a:t>Integration with Machine Learning</a:t>
+            </a:r>
+          </a:p>
+          <a:p>
+            <a:pPr lvl="1"/>
+            <a:r>
+              <a:rPr lang="en-US" altLang="zh-TW" dirty="0"/>
+              <a:t>Parameters are constructed using </a:t>
+            </a:r>
+            <a:r>
+              <a:rPr lang="en-US" altLang="zh-TW" dirty="0">
+                <a:solidFill>
+                  <a:srgbClr val="FF0000"/>
+                </a:solidFill>
+              </a:rPr>
+              <a:t>TensorFlow</a:t>
+            </a:r>
+          </a:p>
+          <a:p>
+            <a:pPr lvl="1"/>
+            <a:r>
+              <a:rPr lang="en-US" altLang="zh-TW" dirty="0"/>
+              <a:t>Users can easily implement machine learning models.</a:t>
+            </a:r>
+          </a:p>
+          <a:p>
+            <a:r>
+              <a:rPr lang="en-US" altLang="zh-TW" b="1" dirty="0">
+                <a:solidFill>
+                  <a:schemeClr val="bg2"/>
+                </a:solidFill>
+              </a:rPr>
+              <a:t>High Computational Efficiency</a:t>
+            </a:r>
+          </a:p>
+          <a:p>
+            <a:pPr lvl="1"/>
+            <a:r>
+              <a:rPr kumimoji="1" lang="en-US" altLang="zh-TW" dirty="0">
+                <a:solidFill>
+                  <a:schemeClr val="bg2"/>
+                </a:solidFill>
+              </a:rPr>
+              <a:t>Accelerated by GPU computing</a:t>
+            </a:r>
+            <a:endParaRPr kumimoji="1" lang="zh-TW" altLang="en-US" dirty="0">
+              <a:solidFill>
+                <a:schemeClr val="bg2"/>
+              </a:solidFill>
+            </a:endParaRPr>
+          </a:p>
+        </p:txBody>
+      </p:sp>
+      <p:sp>
+        <p:nvSpPr>
+          <p:cNvPr id="4" name="投影片編號版面配置區 3">
+            <a:extLst>
+              <a:ext uri="{FF2B5EF4-FFF2-40B4-BE49-F238E27FC236}">
+                <a16:creationId xmlns:a16="http://schemas.microsoft.com/office/drawing/2014/main" id="{228A3B2A-4D98-B620-68EC-5164E9D2FB72}"/>
+              </a:ext>
+            </a:extLst>
+          </p:cNvPr>
+          <p:cNvSpPr>
+            <a:spLocks noGrp="1"/>
+          </p:cNvSpPr>
+          <p:nvPr>
+            <p:ph type="sldNum" sz="quarter" idx="12"/>
+          </p:nvPr>
+        </p:nvSpPr>
+        <p:spPr/>
+        <p:txBody>
+          <a:bodyPr/>
+          <a:lstStyle/>
+          <a:p>
+            <a:fld id="{67BC117D-83F2-EB4A-AF21-EDA51D737CAD}" type="slidenum">
+              <a:rPr lang="en-US" smtClean="0"/>
+              <a:t>5</a:t>
+            </a:fld>
+            <a:endParaRPr lang="en-US"/>
+          </a:p>
+        </p:txBody>
+      </p:sp>
+      <p:pic>
+        <p:nvPicPr>
+          <p:cNvPr id="5" name="圖片 4" descr="一張含有 文字, 螢幕擷取畫面, 字型 的圖片&#10;&#10;AI 產生的內容可能不正確。">
+            <a:extLst>
+              <a:ext uri="{FF2B5EF4-FFF2-40B4-BE49-F238E27FC236}">
+                <a16:creationId xmlns:a16="http://schemas.microsoft.com/office/drawing/2014/main" id="{6E87BFD2-E12B-AECF-026A-DE8CF93837B1}"/>
+              </a:ext>
+            </a:extLst>
+          </p:cNvPr>
+          <p:cNvPicPr>
+            <a:picLocks noChangeAspect="1"/>
+          </p:cNvPicPr>
+          <p:nvPr/>
+        </p:nvPicPr>
+        <p:blipFill>
+          <a:blip r:embed="rId3"/>
+          <a:stretch>
+            <a:fillRect/>
+          </a:stretch>
+        </p:blipFill>
+        <p:spPr>
+          <a:xfrm>
+            <a:off x="838200" y="4462815"/>
+            <a:ext cx="10219717" cy="1893535"/>
+          </a:xfrm>
+          <a:prstGeom prst="rect">
+            <a:avLst/>
+          </a:prstGeom>
+        </p:spPr>
+      </p:pic>
+    </p:spTree>
+    <p:extLst>
+      <p:ext uri="{BB962C8B-B14F-4D97-AF65-F5344CB8AC3E}">
+        <p14:creationId xmlns:p14="http://schemas.microsoft.com/office/powerpoint/2010/main" val="813175426"/>
+      </p:ext>
+    </p:extLst>
+  </p:cSld>
+  <p:clrMapOvr>
+    <a:masterClrMapping/>
+  </p:clrMapOvr>
+</p:sld>
+</file>
+
+<file path=ppt/slides/slide6.xml><?xml version="1.0" encoding="utf-8"?>
+<p:sld xmlns:a="http://schemas.openxmlformats.org/drawingml/2006/main" xmlns:r="http://schemas.openxmlformats.org/officeDocument/2006/relationships" xmlns:p="http://schemas.openxmlformats.org/presentationml/2006/main">
+  <p:cSld>
+    <p:spTree>
+      <p:nvGrpSpPr>
+        <p:cNvPr id="1" name="">
+          <a:extLst>
+            <a:ext uri="{FF2B5EF4-FFF2-40B4-BE49-F238E27FC236}">
+              <a16:creationId xmlns:a16="http://schemas.microsoft.com/office/drawing/2014/main" id="{CA9D8AA2-499F-1A38-C6AB-03173F111FB3}"/>
+            </a:ext>
+          </a:extLst>
+        </p:cNvPr>
+        <p:cNvGrpSpPr/>
+        <p:nvPr/>
+      </p:nvGrpSpPr>
+      <p:grpSpPr>
+        <a:xfrm>
+          <a:off x="0" y="0"/>
+          <a:ext cx="0" cy="0"/>
+          <a:chOff x="0" y="0"/>
+          <a:chExt cx="0" cy="0"/>
+        </a:xfrm>
+      </p:grpSpPr>
+      <p:sp>
+        <p:nvSpPr>
+          <p:cNvPr id="2" name="標題 1">
+            <a:extLst>
+              <a:ext uri="{FF2B5EF4-FFF2-40B4-BE49-F238E27FC236}">
+                <a16:creationId xmlns:a16="http://schemas.microsoft.com/office/drawing/2014/main" id="{0BFB69E5-4936-EFC8-0DC2-5CC3881EE1DF}"/>
+              </a:ext>
+            </a:extLst>
+          </p:cNvPr>
+          <p:cNvSpPr>
+            <a:spLocks noGrp="1"/>
+          </p:cNvSpPr>
+          <p:nvPr>
+            <p:ph type="title"/>
+          </p:nvPr>
+        </p:nvSpPr>
+        <p:spPr/>
+        <p:txBody>
+          <a:bodyPr/>
+          <a:lstStyle/>
+          <a:p>
+            <a:r>
+              <a:rPr lang="en-US" altLang="zh-TW" dirty="0"/>
+              <a:t>Key Features of Sionna</a:t>
+            </a:r>
+            <a:endParaRPr kumimoji="1" lang="zh-TW" altLang="en-US" dirty="0"/>
+          </a:p>
+        </p:txBody>
+      </p:sp>
+      <p:sp>
+        <p:nvSpPr>
+          <p:cNvPr id="3" name="內容版面配置區 2">
+            <a:extLst>
+              <a:ext uri="{FF2B5EF4-FFF2-40B4-BE49-F238E27FC236}">
+                <a16:creationId xmlns:a16="http://schemas.microsoft.com/office/drawing/2014/main" id="{23C20A70-4214-7342-6A12-AC4725A1553E}"/>
+              </a:ext>
+            </a:extLst>
+          </p:cNvPr>
+          <p:cNvSpPr>
+            <a:spLocks noGrp="1"/>
+          </p:cNvSpPr>
+          <p:nvPr>
+            <p:ph idx="1"/>
+          </p:nvPr>
+        </p:nvSpPr>
+        <p:spPr/>
+        <p:txBody>
+          <a:bodyPr>
+            <a:normAutofit/>
+          </a:bodyPr>
+          <a:lstStyle/>
+          <a:p>
+            <a:r>
+              <a:rPr lang="en-US" altLang="zh-TW" b="1" dirty="0">
+                <a:solidFill>
+                  <a:schemeClr val="bg2"/>
+                </a:solidFill>
+              </a:rPr>
+              <a:t>Modular &amp; Flexible Design</a:t>
+            </a:r>
+          </a:p>
+          <a:p>
+            <a:pPr lvl="1"/>
+            <a:r>
+              <a:rPr lang="en-US" altLang="zh-TW" dirty="0">
+                <a:solidFill>
+                  <a:schemeClr val="bg2"/>
+                </a:solidFill>
+              </a:rPr>
+              <a:t>Modular architecture that can be easily customized or extended.</a:t>
+            </a:r>
+          </a:p>
+          <a:p>
+            <a:pPr lvl="1"/>
+            <a:r>
+              <a:rPr lang="en-US" altLang="zh-TW" dirty="0">
+                <a:solidFill>
+                  <a:schemeClr val="bg2"/>
+                </a:solidFill>
+              </a:rPr>
+              <a:t>Allows quick prototyping of complex communication systems.</a:t>
+            </a:r>
+            <a:endParaRPr lang="en-US" altLang="zh-TW" b="1" dirty="0">
+              <a:solidFill>
+                <a:schemeClr val="bg2"/>
+              </a:solidFill>
+            </a:endParaRPr>
+          </a:p>
+          <a:p>
+            <a:r>
+              <a:rPr lang="en-US" altLang="zh-TW" b="1" dirty="0"/>
+              <a:t>Integration with Machine Learning</a:t>
+            </a:r>
+          </a:p>
+          <a:p>
+            <a:pPr lvl="1"/>
+            <a:r>
+              <a:rPr lang="en-US" altLang="zh-TW" dirty="0"/>
+              <a:t>Parameters are constructed using </a:t>
+            </a:r>
+            <a:r>
+              <a:rPr lang="en-US" altLang="zh-TW" dirty="0">
+                <a:solidFill>
+                  <a:srgbClr val="FF0000"/>
+                </a:solidFill>
+              </a:rPr>
+              <a:t>TensorFlow</a:t>
+            </a:r>
+          </a:p>
+          <a:p>
+            <a:pPr lvl="1"/>
+            <a:r>
+              <a:rPr lang="en-US" altLang="zh-TW" dirty="0"/>
+              <a:t>Users can easily implement machine learning models.</a:t>
+            </a:r>
+          </a:p>
+          <a:p>
+            <a:r>
+              <a:rPr lang="en-US" altLang="zh-TW" b="1" dirty="0">
+                <a:solidFill>
+                  <a:schemeClr val="bg2"/>
+                </a:solidFill>
+              </a:rPr>
+              <a:t>High Computational Efficiency</a:t>
+            </a:r>
+          </a:p>
+          <a:p>
+            <a:pPr lvl="1"/>
+            <a:r>
+              <a:rPr kumimoji="1" lang="en-US" altLang="zh-TW" dirty="0">
+                <a:solidFill>
+                  <a:schemeClr val="bg2"/>
+                </a:solidFill>
+              </a:rPr>
+              <a:t>Accelerated by GPU computing</a:t>
+            </a:r>
+            <a:endParaRPr kumimoji="1" lang="zh-TW" altLang="en-US" dirty="0">
+              <a:solidFill>
+                <a:schemeClr val="bg2"/>
+              </a:solidFill>
+            </a:endParaRPr>
+          </a:p>
+        </p:txBody>
+      </p:sp>
+      <p:sp>
+        <p:nvSpPr>
+          <p:cNvPr id="4" name="投影片編號版面配置區 3">
+            <a:extLst>
+              <a:ext uri="{FF2B5EF4-FFF2-40B4-BE49-F238E27FC236}">
+                <a16:creationId xmlns:a16="http://schemas.microsoft.com/office/drawing/2014/main" id="{9615EAE2-A409-9EE7-57DD-08910D1E0CD2}"/>
+              </a:ext>
+            </a:extLst>
+          </p:cNvPr>
+          <p:cNvSpPr>
+            <a:spLocks noGrp="1"/>
+          </p:cNvSpPr>
+          <p:nvPr>
+            <p:ph type="sldNum" sz="quarter" idx="12"/>
+          </p:nvPr>
+        </p:nvSpPr>
+        <p:spPr/>
+        <p:txBody>
+          <a:bodyPr/>
+          <a:lstStyle/>
+          <a:p>
+            <a:fld id="{67BC117D-83F2-EB4A-AF21-EDA51D737CAD}" type="slidenum">
+              <a:rPr lang="en-US" smtClean="0"/>
+              <a:t>6</a:t>
+            </a:fld>
+            <a:endParaRPr lang="en-US"/>
+          </a:p>
+        </p:txBody>
+      </p:sp>
+      <p:pic>
+        <p:nvPicPr>
+          <p:cNvPr id="5" name="圖片 4" descr="一張含有 文字, 螢幕擷取畫面, 字型 的圖片&#10;&#10;AI 產生的內容可能不正確。">
+            <a:extLst>
+              <a:ext uri="{FF2B5EF4-FFF2-40B4-BE49-F238E27FC236}">
+                <a16:creationId xmlns:a16="http://schemas.microsoft.com/office/drawing/2014/main" id="{76446712-2823-85BF-5684-0244FC4729D2}"/>
+              </a:ext>
+            </a:extLst>
+          </p:cNvPr>
+          <p:cNvPicPr>
+            <a:picLocks noChangeAspect="1"/>
+          </p:cNvPicPr>
+          <p:nvPr/>
+        </p:nvPicPr>
+        <p:blipFill>
+          <a:blip r:embed="rId3"/>
+          <a:stretch>
+            <a:fillRect/>
+          </a:stretch>
+        </p:blipFill>
+        <p:spPr>
+          <a:xfrm>
+            <a:off x="838200" y="4462815"/>
+            <a:ext cx="10219717" cy="1893535"/>
+          </a:xfrm>
+          <a:prstGeom prst="rect">
+            <a:avLst/>
+          </a:prstGeom>
+        </p:spPr>
+      </p:pic>
+      <p:sp>
+        <p:nvSpPr>
+          <p:cNvPr id="6" name="矩形: 圓角 5">
+            <a:extLst>
+              <a:ext uri="{FF2B5EF4-FFF2-40B4-BE49-F238E27FC236}">
+                <a16:creationId xmlns:a16="http://schemas.microsoft.com/office/drawing/2014/main" id="{E41D0C38-59A1-0EA3-2B03-3471E91058FD}"/>
+              </a:ext>
+            </a:extLst>
+          </p:cNvPr>
+          <p:cNvSpPr/>
+          <p:nvPr/>
+        </p:nvSpPr>
+        <p:spPr>
+          <a:xfrm>
+            <a:off x="7360355" y="5611635"/>
+            <a:ext cx="1625600" cy="813506"/>
+          </a:xfrm>
+          <a:prstGeom prst="roundRect">
+            <a:avLst/>
+          </a:prstGeom>
+        </p:spPr>
+        <p:style>
+          <a:lnRef idx="2">
+            <a:schemeClr val="accent1">
+              <a:shade val="15000"/>
+            </a:schemeClr>
+          </a:lnRef>
+          <a:fillRef idx="1">
+            <a:schemeClr val="accent1"/>
+          </a:fillRef>
+          <a:effectRef idx="0">
+            <a:schemeClr val="accent1"/>
+          </a:effectRef>
+          <a:fontRef idx="minor">
+            <a:schemeClr val="lt1"/>
+          </a:fontRef>
+        </p:style>
+        <p:txBody>
+          <a:bodyPr rtlCol="0" anchor="ctr"/>
+          <a:lstStyle/>
+          <a:p>
+            <a:pPr algn="ctr"/>
+            <a:r>
+              <a:rPr lang="en-US" altLang="zh-TW" dirty="0"/>
+              <a:t>AI model</a:t>
+            </a:r>
+            <a:endParaRPr lang="zh-TW" altLang="en-US" dirty="0"/>
+          </a:p>
+        </p:txBody>
+      </p:sp>
+    </p:spTree>
+    <p:extLst>
+      <p:ext uri="{BB962C8B-B14F-4D97-AF65-F5344CB8AC3E}">
+        <p14:creationId xmlns:p14="http://schemas.microsoft.com/office/powerpoint/2010/main" val="2845233281"/>
+      </p:ext>
+    </p:extLst>
+  </p:cSld>
+  <p:clrMapOvr>
+    <a:masterClrMapping/>
+  </p:clrMapOvr>
+</p:sld>
+</file>
+
+<file path=ppt/slides/slide7.xml><?xml version="1.0" encoding="utf-8"?>
+<p:sld xmlns:a="http://schemas.openxmlformats.org/drawingml/2006/main" xmlns:r="http://schemas.openxmlformats.org/officeDocument/2006/relationships" xmlns:p="http://schemas.openxmlformats.org/presentationml/2006/main">
+  <p:cSld>
+    <p:spTree>
+      <p:nvGrpSpPr>
+        <p:cNvPr id="1" name="">
+          <a:extLst>
+            <a:ext uri="{FF2B5EF4-FFF2-40B4-BE49-F238E27FC236}">
+              <a16:creationId xmlns:a16="http://schemas.microsoft.com/office/drawing/2014/main" id="{48ADE07A-3A97-4ED2-BE9E-4F01EF82E787}"/>
+            </a:ext>
+          </a:extLst>
+        </p:cNvPr>
+        <p:cNvGrpSpPr/>
+        <p:nvPr/>
+      </p:nvGrpSpPr>
+      <p:grpSpPr>
+        <a:xfrm>
+          <a:off x="0" y="0"/>
+          <a:ext cx="0" cy="0"/>
+          <a:chOff x="0" y="0"/>
+          <a:chExt cx="0" cy="0"/>
+        </a:xfrm>
+      </p:grpSpPr>
+      <p:sp>
+        <p:nvSpPr>
+          <p:cNvPr id="2" name="標題 1">
+            <a:extLst>
+              <a:ext uri="{FF2B5EF4-FFF2-40B4-BE49-F238E27FC236}">
+                <a16:creationId xmlns:a16="http://schemas.microsoft.com/office/drawing/2014/main" id="{B23D8CE3-FFDB-6EA7-97D3-45DEC4976D99}"/>
+              </a:ext>
+            </a:extLst>
+          </p:cNvPr>
+          <p:cNvSpPr>
+            <a:spLocks noGrp="1"/>
+          </p:cNvSpPr>
+          <p:nvPr>
+            <p:ph type="title"/>
+          </p:nvPr>
+        </p:nvSpPr>
+        <p:spPr/>
+        <p:txBody>
+          <a:bodyPr/>
+          <a:lstStyle/>
+          <a:p>
+            <a:r>
+              <a:rPr lang="en-US" altLang="zh-TW" dirty="0"/>
+              <a:t>Key Features of Sionna</a:t>
+            </a:r>
+            <a:endParaRPr kumimoji="1" lang="zh-TW" altLang="en-US" dirty="0"/>
+          </a:p>
+        </p:txBody>
+      </p:sp>
+      <p:sp>
+        <p:nvSpPr>
+          <p:cNvPr id="3" name="內容版面配置區 2">
+            <a:extLst>
+              <a:ext uri="{FF2B5EF4-FFF2-40B4-BE49-F238E27FC236}">
+                <a16:creationId xmlns:a16="http://schemas.microsoft.com/office/drawing/2014/main" id="{916E52E9-5650-7E73-7AB5-97C015404575}"/>
+              </a:ext>
+            </a:extLst>
+          </p:cNvPr>
+          <p:cNvSpPr>
+            <a:spLocks noGrp="1"/>
+          </p:cNvSpPr>
+          <p:nvPr>
+            <p:ph idx="1"/>
+          </p:nvPr>
+        </p:nvSpPr>
+        <p:spPr/>
+        <p:txBody>
+          <a:bodyPr>
+            <a:normAutofit/>
+          </a:bodyPr>
+          <a:lstStyle/>
+          <a:p>
+            <a:r>
+              <a:rPr lang="en-US" altLang="zh-TW" b="1" dirty="0">
+                <a:solidFill>
+                  <a:schemeClr val="bg2"/>
+                </a:solidFill>
+              </a:rPr>
+              <a:t>Modular &amp; Flexible Design</a:t>
+            </a:r>
+          </a:p>
+          <a:p>
+            <a:pPr lvl="1"/>
+            <a:r>
+              <a:rPr lang="en-US" altLang="zh-TW" dirty="0">
+                <a:solidFill>
+                  <a:schemeClr val="bg2"/>
+                </a:solidFill>
+              </a:rPr>
+              <a:t>Modular architecture that can be easily customized or extended.</a:t>
+            </a:r>
+          </a:p>
+          <a:p>
+            <a:pPr lvl="1"/>
+            <a:r>
+              <a:rPr lang="en-US" altLang="zh-TW" dirty="0">
+                <a:solidFill>
+                  <a:schemeClr val="bg2"/>
+                </a:solidFill>
+              </a:rPr>
+              <a:t>Allows quick prototyping of complex communication systems.</a:t>
+            </a:r>
+            <a:endParaRPr lang="en-US" altLang="zh-TW" b="1" dirty="0">
+              <a:solidFill>
+                <a:schemeClr val="bg2"/>
+              </a:solidFill>
+            </a:endParaRPr>
+          </a:p>
+          <a:p>
+            <a:r>
+              <a:rPr lang="en-US" altLang="zh-TW" b="1" dirty="0">
+                <a:solidFill>
+                  <a:schemeClr val="bg2"/>
+                </a:solidFill>
+              </a:rPr>
+              <a:t>Integration with Machine Learning</a:t>
+            </a:r>
+          </a:p>
+          <a:p>
+            <a:pPr lvl="1"/>
+            <a:r>
+              <a:rPr lang="en-US" altLang="zh-TW" dirty="0">
+                <a:solidFill>
+                  <a:schemeClr val="bg2"/>
+                </a:solidFill>
+              </a:rPr>
+              <a:t>Parameters are constructed using TensorFlow</a:t>
+            </a:r>
+          </a:p>
+          <a:p>
+            <a:pPr lvl="1"/>
+            <a:r>
+              <a:rPr lang="en-US" altLang="zh-TW" dirty="0">
+                <a:solidFill>
+                  <a:schemeClr val="bg2"/>
+                </a:solidFill>
+              </a:rPr>
+              <a:t>Users can easily implement machine learning models.</a:t>
+            </a:r>
+          </a:p>
+          <a:p>
+            <a:r>
+              <a:rPr lang="en-US" altLang="zh-TW" b="1" dirty="0"/>
+              <a:t>High Computational Efficiency</a:t>
+            </a:r>
+          </a:p>
+          <a:p>
+            <a:pPr lvl="1"/>
+            <a:r>
+              <a:rPr kumimoji="1" lang="en-US" altLang="zh-TW" dirty="0"/>
+              <a:t>Accelerated by GPU computing</a:t>
+            </a:r>
+            <a:endParaRPr kumimoji="1" lang="zh-TW" altLang="en-US" dirty="0"/>
+          </a:p>
+        </p:txBody>
+      </p:sp>
+      <p:sp>
+        <p:nvSpPr>
+          <p:cNvPr id="4" name="投影片編號版面配置區 3">
+            <a:extLst>
+              <a:ext uri="{FF2B5EF4-FFF2-40B4-BE49-F238E27FC236}">
+                <a16:creationId xmlns:a16="http://schemas.microsoft.com/office/drawing/2014/main" id="{4251F53B-C93C-520F-AC58-2A9522010263}"/>
+              </a:ext>
+            </a:extLst>
+          </p:cNvPr>
+          <p:cNvSpPr>
+            <a:spLocks noGrp="1"/>
+          </p:cNvSpPr>
+          <p:nvPr>
+            <p:ph type="sldNum" sz="quarter" idx="12"/>
+          </p:nvPr>
+        </p:nvSpPr>
+        <p:spPr/>
+        <p:txBody>
+          <a:bodyPr/>
+          <a:lstStyle/>
+          <a:p>
+            <a:fld id="{67BC117D-83F2-EB4A-AF21-EDA51D737CAD}" type="slidenum">
+              <a:rPr lang="en-US" smtClean="0"/>
+              <a:t>7</a:t>
+            </a:fld>
+            <a:endParaRPr lang="en-US"/>
+          </a:p>
+        </p:txBody>
+      </p:sp>
+    </p:spTree>
+    <p:extLst>
+      <p:ext uri="{BB962C8B-B14F-4D97-AF65-F5344CB8AC3E}">
+        <p14:creationId xmlns:p14="http://schemas.microsoft.com/office/powerpoint/2010/main" val="553657665"/>
+      </p:ext>
+    </p:extLst>
+  </p:cSld>
+  <p:clrMapOvr>
+    <a:masterClrMapping/>
+  </p:clrMapOvr>
+</p:sld>
+</file>
+
+<file path=ppt/slides/slide8.xml><?xml version="1.0" encoding="utf-8"?>
+<p:sld xmlns:a="http://schemas.openxmlformats.org/drawingml/2006/main" xmlns:r="http://schemas.openxmlformats.org/officeDocument/2006/relationships" xmlns:p="http://schemas.openxmlformats.org/presentationml/2006/main">
+  <p:cSld>
+    <p:spTree>
+      <p:nvGrpSpPr>
+        <p:cNvPr id="1" name=""/>
+        <p:cNvGrpSpPr/>
+        <p:nvPr/>
+      </p:nvGrpSpPr>
+      <p:grpSpPr>
+        <a:xfrm>
+          <a:off x="0" y="0"/>
+          <a:ext cx="0" cy="0"/>
+          <a:chOff x="0" y="0"/>
+          <a:chExt cx="0" cy="0"/>
+        </a:xfrm>
+      </p:grpSpPr>
+      <p:sp>
+        <p:nvSpPr>
+          <p:cNvPr id="2" name="標題 1">
+            <a:extLst>
+              <a:ext uri="{FF2B5EF4-FFF2-40B4-BE49-F238E27FC236}">
+                <a16:creationId xmlns:a16="http://schemas.microsoft.com/office/drawing/2014/main" id="{F0E2E115-B904-3FCE-D4E1-ABBE3C000FAD}"/>
+              </a:ext>
+            </a:extLst>
+          </p:cNvPr>
+          <p:cNvSpPr>
+            <a:spLocks noGrp="1"/>
+          </p:cNvSpPr>
+          <p:nvPr>
+            <p:ph type="title"/>
+          </p:nvPr>
+        </p:nvSpPr>
+        <p:spPr/>
+        <p:txBody>
+          <a:bodyPr/>
+          <a:lstStyle/>
+          <a:p>
+            <a:r>
+              <a:rPr kumimoji="1" lang="en-US" altLang="zh-TW" dirty="0"/>
+              <a:t>Case 1 : Link-level simulation</a:t>
+            </a:r>
+            <a:endParaRPr kumimoji="1" lang="zh-TW" altLang="en-US" dirty="0"/>
+          </a:p>
+        </p:txBody>
+      </p:sp>
+      <p:pic>
+        <p:nvPicPr>
+          <p:cNvPr id="6" name="內容版面配置區 5" descr="一張含有 文字, 螢幕擷取畫面, 字型, 數字 的圖片&#10;&#10;自動產生的描述">
+            <a:extLst>
+              <a:ext uri="{FF2B5EF4-FFF2-40B4-BE49-F238E27FC236}">
+                <a16:creationId xmlns:a16="http://schemas.microsoft.com/office/drawing/2014/main" id="{E1F8033A-229A-0E09-2C4E-78ED83B73EF5}"/>
+              </a:ext>
+            </a:extLst>
+          </p:cNvPr>
+          <p:cNvPicPr>
+            <a:picLocks noGrp="1" noChangeAspect="1"/>
+          </p:cNvPicPr>
+          <p:nvPr>
+            <p:ph idx="1"/>
+          </p:nvPr>
+        </p:nvPicPr>
+        <p:blipFill>
+          <a:blip r:embed="rId2"/>
+          <a:stretch>
+            <a:fillRect/>
+          </a:stretch>
+        </p:blipFill>
+        <p:spPr>
+          <a:xfrm>
+            <a:off x="722488" y="2327238"/>
+            <a:ext cx="5508811" cy="2203524"/>
+          </a:xfrm>
+        </p:spPr>
+      </p:pic>
+      <p:sp>
+        <p:nvSpPr>
+          <p:cNvPr id="4" name="投影片編號版面配置區 3">
+            <a:extLst>
+              <a:ext uri="{FF2B5EF4-FFF2-40B4-BE49-F238E27FC236}">
+                <a16:creationId xmlns:a16="http://schemas.microsoft.com/office/drawing/2014/main" id="{ADFAC55A-2866-A132-CBA5-1503D756D705}"/>
+              </a:ext>
+            </a:extLst>
+          </p:cNvPr>
+          <p:cNvSpPr>
+            <a:spLocks noGrp="1"/>
+          </p:cNvSpPr>
+          <p:nvPr>
+            <p:ph type="sldNum" sz="quarter" idx="12"/>
+          </p:nvPr>
+        </p:nvSpPr>
+        <p:spPr/>
+        <p:txBody>
+          <a:bodyPr/>
+          <a:lstStyle/>
+          <a:p>
+            <a:fld id="{67BC117D-83F2-EB4A-AF21-EDA51D737CAD}" type="slidenum">
+              <a:rPr lang="en-US" smtClean="0"/>
+              <a:t>8</a:t>
+            </a:fld>
+            <a:endParaRPr lang="en-US"/>
+          </a:p>
+        </p:txBody>
+      </p:sp>
+      <p:pic>
+        <p:nvPicPr>
+          <p:cNvPr id="8" name="圖片 7" descr="一張含有 文字, 行, 繪圖, 圖表 的圖片&#10;&#10;自動產生的描述">
+            <a:extLst>
+              <a:ext uri="{FF2B5EF4-FFF2-40B4-BE49-F238E27FC236}">
+                <a16:creationId xmlns:a16="http://schemas.microsoft.com/office/drawing/2014/main" id="{77F6E2A8-6C6C-FE11-A2CB-8321D21FFDBF}"/>
+              </a:ext>
+            </a:extLst>
+          </p:cNvPr>
+          <p:cNvPicPr>
+            <a:picLocks noChangeAspect="1"/>
+          </p:cNvPicPr>
+          <p:nvPr/>
+        </p:nvPicPr>
+        <p:blipFill>
+          <a:blip r:embed="rId3"/>
+          <a:stretch>
+            <a:fillRect/>
+          </a:stretch>
+        </p:blipFill>
+        <p:spPr>
+          <a:xfrm>
+            <a:off x="6445956" y="2952669"/>
+            <a:ext cx="4901867" cy="3228058"/>
           </a:xfrm>
           <a:prstGeom prst="rect">
             <a:avLst/>
@@ -5065,7 +6714,7 @@
 </p:sld>
 </file>
 
-<file path=ppt/slides/slide5.xml><?xml version="1.0" encoding="utf-8"?>
+<file path=ppt/slides/slide9.xml><?xml version="1.0" encoding="utf-8"?>
 <p:sld xmlns:a="http://schemas.openxmlformats.org/drawingml/2006/main" xmlns:r="http://schemas.openxmlformats.org/officeDocument/2006/relationships" xmlns:p="http://schemas.openxmlformats.org/presentationml/2006/main">
   <p:cSld>
     <p:spTree>
@@ -5163,7 +6812,7 @@
           <a:p>
             <a:fld id="{67BC117D-83F2-EB4A-AF21-EDA51D737CAD}" type="slidenum">
               <a:rPr lang="en-US" smtClean="0"/>
-              <a:t>5</a:t>
+              <a:t>9</a:t>
             </a:fld>
             <a:endParaRPr lang="en-US"/>
           </a:p>
@@ -5191,8 +6840,8 @@
         </p:blipFill>
         <p:spPr>
           <a:xfrm>
-            <a:off x="6018942" y="2043907"/>
-            <a:ext cx="5518635" cy="3959224"/>
+            <a:off x="6142733" y="1975555"/>
+            <a:ext cx="5394844" cy="3870413"/>
           </a:xfrm>
           <a:prstGeom prst="rect">
             <a:avLst/>
@@ -5203,119 +6852,6 @@
     <p:extLst>
       <p:ext uri="{BB962C8B-B14F-4D97-AF65-F5344CB8AC3E}">
         <p14:creationId xmlns:p14="http://schemas.microsoft.com/office/powerpoint/2010/main" val="964237522"/>
-      </p:ext>
-    </p:extLst>
-  </p:cSld>
-  <p:clrMapOvr>
-    <a:masterClrMapping/>
-  </p:clrMapOvr>
-</p:sld>
-</file>
-
-<file path=ppt/slides/slide6.xml><?xml version="1.0" encoding="utf-8"?>
-<p:sld xmlns:a="http://schemas.openxmlformats.org/drawingml/2006/main" xmlns:r="http://schemas.openxmlformats.org/officeDocument/2006/relationships" xmlns:p="http://schemas.openxmlformats.org/presentationml/2006/main">
-  <p:cSld>
-    <p:spTree>
-      <p:nvGrpSpPr>
-        <p:cNvPr id="1" name=""/>
-        <p:cNvGrpSpPr/>
-        <p:nvPr/>
-      </p:nvGrpSpPr>
-      <p:grpSpPr>
-        <a:xfrm>
-          <a:off x="0" y="0"/>
-          <a:ext cx="0" cy="0"/>
-          <a:chOff x="0" y="0"/>
-          <a:chExt cx="0" cy="0"/>
-        </a:xfrm>
-      </p:grpSpPr>
-      <p:sp>
-        <p:nvSpPr>
-          <p:cNvPr id="2" name="標題 1">
-            <a:extLst>
-              <a:ext uri="{FF2B5EF4-FFF2-40B4-BE49-F238E27FC236}">
-                <a16:creationId xmlns:a16="http://schemas.microsoft.com/office/drawing/2014/main" id="{542305F7-0F6A-A199-0A5D-64270FA0F24E}"/>
-              </a:ext>
-            </a:extLst>
-          </p:cNvPr>
-          <p:cNvSpPr>
-            <a:spLocks noGrp="1"/>
-          </p:cNvSpPr>
-          <p:nvPr>
-            <p:ph type="title"/>
-          </p:nvPr>
-        </p:nvSpPr>
-        <p:spPr/>
-        <p:txBody>
-          <a:bodyPr/>
-          <a:lstStyle/>
-          <a:p>
-            <a:r>
-              <a:rPr kumimoji="1" lang="en-US" altLang="zh-TW" dirty="0"/>
-              <a:t>Case 3 : Neural receiver</a:t>
-            </a:r>
-            <a:endParaRPr kumimoji="1" lang="zh-TW" altLang="en-US" dirty="0"/>
-          </a:p>
-        </p:txBody>
-      </p:sp>
-      <p:sp>
-        <p:nvSpPr>
-          <p:cNvPr id="3" name="內容版面配置區 2">
-            <a:extLst>
-              <a:ext uri="{FF2B5EF4-FFF2-40B4-BE49-F238E27FC236}">
-                <a16:creationId xmlns:a16="http://schemas.microsoft.com/office/drawing/2014/main" id="{471D54A4-42ED-6770-C762-A6FB791D7DD2}"/>
-              </a:ext>
-            </a:extLst>
-          </p:cNvPr>
-          <p:cNvSpPr>
-            <a:spLocks noGrp="1"/>
-          </p:cNvSpPr>
-          <p:nvPr>
-            <p:ph idx="1"/>
-          </p:nvPr>
-        </p:nvSpPr>
-        <p:spPr/>
-        <p:txBody>
-          <a:bodyPr/>
-          <a:lstStyle/>
-          <a:p>
-            <a:endParaRPr kumimoji="1" lang="zh-TW" altLang="en-US"/>
-          </a:p>
-        </p:txBody>
-      </p:sp>
-      <p:sp>
-        <p:nvSpPr>
-          <p:cNvPr id="4" name="投影片編號版面配置區 3">
-            <a:extLst>
-              <a:ext uri="{FF2B5EF4-FFF2-40B4-BE49-F238E27FC236}">
-                <a16:creationId xmlns:a16="http://schemas.microsoft.com/office/drawing/2014/main" id="{D598A983-1747-D791-FD91-D8280EAC55FA}"/>
-              </a:ext>
-            </a:extLst>
-          </p:cNvPr>
-          <p:cNvSpPr>
-            <a:spLocks noGrp="1"/>
-          </p:cNvSpPr>
-          <p:nvPr>
-            <p:ph type="sldNum" sz="quarter" idx="12"/>
-          </p:nvPr>
-        </p:nvSpPr>
-        <p:spPr/>
-        <p:txBody>
-          <a:bodyPr/>
-          <a:lstStyle/>
-          <a:p>
-            <a:fld id="{67BC117D-83F2-EB4A-AF21-EDA51D737CAD}" type="slidenum">
-              <a:rPr lang="en-US" smtClean="0"/>
-              <a:t>6</a:t>
-            </a:fld>
-            <a:endParaRPr lang="en-US"/>
-          </a:p>
-        </p:txBody>
-      </p:sp>
-    </p:spTree>
-    <p:extLst>
-      <p:ext uri="{BB962C8B-B14F-4D97-AF65-F5344CB8AC3E}">
-        <p14:creationId xmlns:p14="http://schemas.microsoft.com/office/powerpoint/2010/main" val="287085044"/>
       </p:ext>
     </p:extLst>
   </p:cSld>
@@ -6143,6 +7679,23 @@
 </file>
 
 <file path=customXml/item1.xml><?xml version="1.0" encoding="utf-8"?>
+<p:properties xmlns:p="http://schemas.microsoft.com/office/2006/metadata/properties" xmlns:xsi="http://www.w3.org/2001/XMLSchema-instance" xmlns:pc="http://schemas.microsoft.com/office/infopath/2007/PartnerControls">
+  <documentManagement>
+    <_activity xmlns="6d50c31e-dd39-4a8d-9533-e3e1267260b8" xsi:nil="true"/>
+  </documentManagement>
+</p:properties>
+</file>
+
+<file path=customXml/item2.xml><?xml version="1.0" encoding="utf-8"?>
+<?mso-contentType ?>
+<FormTemplates xmlns="http://schemas.microsoft.com/sharepoint/v3/contenttype/forms">
+  <Display>DocumentLibraryForm</Display>
+  <Edit>DocumentLibraryForm</Edit>
+  <New>DocumentLibraryForm</New>
+</FormTemplates>
+</file>
+
+<file path=customXml/item3.xml><?xml version="1.0" encoding="utf-8"?>
 <ct:contentTypeSchema xmlns:ct="http://schemas.microsoft.com/office/2006/metadata/contentType" xmlns:ma="http://schemas.microsoft.com/office/2006/metadata/properties/metaAttributes" ct:_="" ma:_="" ma:contentTypeName="Document" ma:contentTypeID="0x0101008323F6022A005840BCFF10AFE4C8BD76" ma:contentTypeVersion="4" ma:contentTypeDescription="Create a new document." ma:contentTypeScope="" ma:versionID="ad98fc97ed7b2a8c6eef0fdd14d3f662">
   <xsd:schema xmlns:xsd="http://www.w3.org/2001/XMLSchema" xmlns:xs="http://www.w3.org/2001/XMLSchema" xmlns:p="http://schemas.microsoft.com/office/2006/metadata/properties" xmlns:ns3="6d50c31e-dd39-4a8d-9533-e3e1267260b8" targetNamespace="http://schemas.microsoft.com/office/2006/metadata/properties" ma:root="true" ma:fieldsID="8f89de777f722e7ebced96c90cb90eb7" ns3:_="">
     <xsd:import namespace="6d50c31e-dd39-4a8d-9533-e3e1267260b8"/>
@@ -6286,24 +7839,31 @@
 </ct:contentTypeSchema>
 </file>
 
-<file path=customXml/item2.xml><?xml version="1.0" encoding="utf-8"?>
-<?mso-contentType ?>
-<FormTemplates xmlns="http://schemas.microsoft.com/sharepoint/v3/contenttype/forms">
-  <Display>DocumentLibraryForm</Display>
-  <Edit>DocumentLibraryForm</Edit>
-  <New>DocumentLibraryForm</New>
-</FormTemplates>
+<file path=customXml/itemProps1.xml><?xml version="1.0" encoding="utf-8"?>
+<ds:datastoreItem xmlns:ds="http://schemas.openxmlformats.org/officeDocument/2006/customXml" ds:itemID="{BC5F7A92-F93C-407C-9CB7-379FAC061172}">
+  <ds:schemaRefs>
+    <ds:schemaRef ds:uri="6d50c31e-dd39-4a8d-9533-e3e1267260b8"/>
+    <ds:schemaRef ds:uri="http://purl.org/dc/dcmitype/"/>
+    <ds:schemaRef ds:uri="http://purl.org/dc/elements/1.1/"/>
+    <ds:schemaRef ds:uri="http://purl.org/dc/terms/"/>
+    <ds:schemaRef ds:uri="http://schemas.microsoft.com/office/2006/documentManagement/types"/>
+    <ds:schemaRef ds:uri="http://schemas.microsoft.com/office/2006/metadata/properties"/>
+    <ds:schemaRef ds:uri="http://schemas.microsoft.com/office/infopath/2007/PartnerControls"/>
+    <ds:schemaRef ds:uri="http://schemas.openxmlformats.org/package/2006/metadata/core-properties"/>
+    <ds:schemaRef ds:uri="http://www.w3.org/XML/1998/namespace"/>
+  </ds:schemaRefs>
+</ds:datastoreItem>
 </file>
 
-<file path=customXml/item3.xml><?xml version="1.0" encoding="utf-8"?>
-<p:properties xmlns:p="http://schemas.microsoft.com/office/2006/metadata/properties" xmlns:xsi="http://www.w3.org/2001/XMLSchema-instance" xmlns:pc="http://schemas.microsoft.com/office/infopath/2007/PartnerControls">
-  <documentManagement>
-    <_activity xmlns="6d50c31e-dd39-4a8d-9533-e3e1267260b8" xsi:nil="true"/>
-  </documentManagement>
-</p:properties>
+<file path=customXml/itemProps2.xml><?xml version="1.0" encoding="utf-8"?>
+<ds:datastoreItem xmlns:ds="http://schemas.openxmlformats.org/officeDocument/2006/customXml" ds:itemID="{AEA8B674-F4D5-44F8-8225-4A7307300CC7}">
+  <ds:schemaRefs>
+    <ds:schemaRef ds:uri="http://schemas.microsoft.com/sharepoint/v3/contenttype/forms"/>
+  </ds:schemaRefs>
+</ds:datastoreItem>
 </file>
 
-<file path=customXml/itemProps1.xml><?xml version="1.0" encoding="utf-8"?>
+<file path=customXml/itemProps3.xml><?xml version="1.0" encoding="utf-8"?>
 <ds:datastoreItem xmlns:ds="http://schemas.openxmlformats.org/officeDocument/2006/customXml" ds:itemID="{6B9EF1C5-9B96-4874-AA56-B821F7CAD573}">
   <ds:schemaRefs>
     <ds:schemaRef ds:uri="6d50c31e-dd39-4a8d-9533-e3e1267260b8"/>
@@ -6319,28 +7879,4 @@
     <ds:schemaRef ds:uri="http://www.w3.org/2001/XMLSchema"/>
   </ds:schemaRefs>
 </ds:datastoreItem>
-</file>
-
-<file path=customXml/itemProps2.xml><?xml version="1.0" encoding="utf-8"?>
-<ds:datastoreItem xmlns:ds="http://schemas.openxmlformats.org/officeDocument/2006/customXml" ds:itemID="{AEA8B674-F4D5-44F8-8225-4A7307300CC7}">
-  <ds:schemaRefs>
-    <ds:schemaRef ds:uri="http://schemas.microsoft.com/sharepoint/v3/contenttype/forms"/>
-  </ds:schemaRefs>
-</ds:datastoreItem>
-</file>
-
-<file path=customXml/itemProps3.xml><?xml version="1.0" encoding="utf-8"?>
-<ds:datastoreItem xmlns:ds="http://schemas.openxmlformats.org/officeDocument/2006/customXml" ds:itemID="{BC5F7A92-F93C-407C-9CB7-379FAC061172}">
-  <ds:schemaRefs>
-    <ds:schemaRef ds:uri="6d50c31e-dd39-4a8d-9533-e3e1267260b8"/>
-    <ds:schemaRef ds:uri="http://purl.org/dc/dcmitype/"/>
-    <ds:schemaRef ds:uri="http://purl.org/dc/elements/1.1/"/>
-    <ds:schemaRef ds:uri="http://purl.org/dc/terms/"/>
-    <ds:schemaRef ds:uri="http://schemas.microsoft.com/office/2006/documentManagement/types"/>
-    <ds:schemaRef ds:uri="http://schemas.microsoft.com/office/2006/metadata/properties"/>
-    <ds:schemaRef ds:uri="http://schemas.microsoft.com/office/infopath/2007/PartnerControls"/>
-    <ds:schemaRef ds:uri="http://schemas.openxmlformats.org/package/2006/metadata/core-properties"/>
-    <ds:schemaRef ds:uri="http://www.w3.org/XML/1998/namespace"/>
-  </ds:schemaRefs>
-</ds:datastoreItem>
 </file>
--- a/sionna_introduction.pptx
+++ b/sionna_introduction.pptx
@@ -4876,7 +4876,7 @@
                 </a:solidFill>
                 <a:latin typeface="Tw Cen MT" panose="020B0602020104020603" pitchFamily="34" charset="77"/>
               </a:rPr>
-              <a:t>2025/?/?</a:t>
+              <a:t>2025/3/14</a:t>
             </a:r>
           </a:p>
           <a:p>
@@ -5037,8 +5037,8 @@
         </p:nvSpPr>
         <p:spPr>
           <a:xfrm>
-            <a:off x="2019710" y="5771710"/>
-            <a:ext cx="7664823" cy="1200329"/>
+            <a:off x="2263587" y="5587044"/>
+            <a:ext cx="7664823" cy="1477328"/>
           </a:xfrm>
           <a:prstGeom prst="rect">
             <a:avLst/>
@@ -5053,29 +5053,46 @@
           <a:p>
             <a:r>
               <a:rPr kumimoji="1" lang="en-US" altLang="zh-TW" dirty="0"/>
-              <a:t>NVIDIA website: </a:t>
+              <a:t>Class GitHub: </a:t>
             </a:r>
             <a:r>
               <a:rPr kumimoji="1" lang="en-US" altLang="zh-TW" dirty="0">
                 <a:hlinkClick r:id="rId6"/>
               </a:rPr>
-              <a:t>https://developer.nvidia.com/sionna</a:t>
+              <a:t>https://github.com/s87315teve/sionna_introduction</a:t>
             </a:r>
             <a:endParaRPr kumimoji="1" lang="en-US" altLang="zh-TW" dirty="0"/>
           </a:p>
           <a:p>
             <a:r>
-              <a:rPr kumimoji="1" lang="en-US" altLang="zh-TW" dirty="0" err="1"/>
-              <a:t>Sionna</a:t>
-            </a:r>
-            <a:r>
               <a:rPr kumimoji="1" lang="en-US" altLang="zh-TW" dirty="0"/>
-              <a:t> tutorial: </a:t>
+              <a:t>NVIDIA website: </a:t>
             </a:r>
             <a:r>
               <a:rPr kumimoji="1" lang="en-US" altLang="zh-TW" dirty="0">
                 <a:hlinkClick r:id="rId7"/>
               </a:rPr>
+              <a:t>https://developer.nvidia.com/sionna</a:t>
+            </a:r>
+            <a:endParaRPr kumimoji="1" lang="en-US" altLang="zh-TW" dirty="0"/>
+          </a:p>
+          <a:p>
+            <a:r>
+              <a:rPr kumimoji="1" lang="en-US" altLang="zh-TW" dirty="0"/>
+              <a:t>Sionna</a:t>
+            </a:r>
+            <a:r>
+              <a:rPr kumimoji="1" lang="zh-TW" altLang="en-US" dirty="0"/>
+              <a:t> </a:t>
+            </a:r>
+            <a:r>
+              <a:rPr kumimoji="1" lang="en-US" altLang="zh-TW" dirty="0"/>
+              <a:t>official tutorial: </a:t>
+            </a:r>
+            <a:r>
+              <a:rPr kumimoji="1" lang="en-US" altLang="zh-TW" dirty="0">
+                <a:hlinkClick r:id="rId8"/>
+              </a:rPr>
               <a:t>https://nvlabs.github.io/sionna/index.html</a:t>
             </a:r>
             <a:endParaRPr kumimoji="1" lang="en-US" altLang="zh-TW" dirty="0"/>
@@ -5091,7 +5108,7 @@
             </a:r>
             <a:r>
               <a:rPr kumimoji="1" lang="en-US" altLang="zh-TW" dirty="0">
-                <a:hlinkClick r:id="rId8"/>
+                <a:hlinkClick r:id="rId9"/>
               </a:rPr>
               <a:t>https://github.com/NVlabs/sionna</a:t>
             </a:r>
@@ -7679,23 +7696,6 @@
 </file>
 
 <file path=customXml/item1.xml><?xml version="1.0" encoding="utf-8"?>
-<p:properties xmlns:p="http://schemas.microsoft.com/office/2006/metadata/properties" xmlns:xsi="http://www.w3.org/2001/XMLSchema-instance" xmlns:pc="http://schemas.microsoft.com/office/infopath/2007/PartnerControls">
-  <documentManagement>
-    <_activity xmlns="6d50c31e-dd39-4a8d-9533-e3e1267260b8" xsi:nil="true"/>
-  </documentManagement>
-</p:properties>
-</file>
-
-<file path=customXml/item2.xml><?xml version="1.0" encoding="utf-8"?>
-<?mso-contentType ?>
-<FormTemplates xmlns="http://schemas.microsoft.com/sharepoint/v3/contenttype/forms">
-  <Display>DocumentLibraryForm</Display>
-  <Edit>DocumentLibraryForm</Edit>
-  <New>DocumentLibraryForm</New>
-</FormTemplates>
-</file>
-
-<file path=customXml/item3.xml><?xml version="1.0" encoding="utf-8"?>
 <ct:contentTypeSchema xmlns:ct="http://schemas.microsoft.com/office/2006/metadata/contentType" xmlns:ma="http://schemas.microsoft.com/office/2006/metadata/properties/metaAttributes" ct:_="" ma:_="" ma:contentTypeName="Document" ma:contentTypeID="0x0101008323F6022A005840BCFF10AFE4C8BD76" ma:contentTypeVersion="4" ma:contentTypeDescription="Create a new document." ma:contentTypeScope="" ma:versionID="ad98fc97ed7b2a8c6eef0fdd14d3f662">
   <xsd:schema xmlns:xsd="http://www.w3.org/2001/XMLSchema" xmlns:xs="http://www.w3.org/2001/XMLSchema" xmlns:p="http://schemas.microsoft.com/office/2006/metadata/properties" xmlns:ns3="6d50c31e-dd39-4a8d-9533-e3e1267260b8" targetNamespace="http://schemas.microsoft.com/office/2006/metadata/properties" ma:root="true" ma:fieldsID="8f89de777f722e7ebced96c90cb90eb7" ns3:_="">
     <xsd:import namespace="6d50c31e-dd39-4a8d-9533-e3e1267260b8"/>
@@ -7839,31 +7839,24 @@
 </ct:contentTypeSchema>
 </file>
 
-<file path=customXml/itemProps1.xml><?xml version="1.0" encoding="utf-8"?>
-<ds:datastoreItem xmlns:ds="http://schemas.openxmlformats.org/officeDocument/2006/customXml" ds:itemID="{BC5F7A92-F93C-407C-9CB7-379FAC061172}">
-  <ds:schemaRefs>
-    <ds:schemaRef ds:uri="6d50c31e-dd39-4a8d-9533-e3e1267260b8"/>
-    <ds:schemaRef ds:uri="http://purl.org/dc/dcmitype/"/>
-    <ds:schemaRef ds:uri="http://purl.org/dc/elements/1.1/"/>
-    <ds:schemaRef ds:uri="http://purl.org/dc/terms/"/>
-    <ds:schemaRef ds:uri="http://schemas.microsoft.com/office/2006/documentManagement/types"/>
-    <ds:schemaRef ds:uri="http://schemas.microsoft.com/office/2006/metadata/properties"/>
-    <ds:schemaRef ds:uri="http://schemas.microsoft.com/office/infopath/2007/PartnerControls"/>
-    <ds:schemaRef ds:uri="http://schemas.openxmlformats.org/package/2006/metadata/core-properties"/>
-    <ds:schemaRef ds:uri="http://www.w3.org/XML/1998/namespace"/>
-  </ds:schemaRefs>
-</ds:datastoreItem>
+<file path=customXml/item2.xml><?xml version="1.0" encoding="utf-8"?>
+<?mso-contentType ?>
+<FormTemplates xmlns="http://schemas.microsoft.com/sharepoint/v3/contenttype/forms">
+  <Display>DocumentLibraryForm</Display>
+  <Edit>DocumentLibraryForm</Edit>
+  <New>DocumentLibraryForm</New>
+</FormTemplates>
 </file>
 
-<file path=customXml/itemProps2.xml><?xml version="1.0" encoding="utf-8"?>
-<ds:datastoreItem xmlns:ds="http://schemas.openxmlformats.org/officeDocument/2006/customXml" ds:itemID="{AEA8B674-F4D5-44F8-8225-4A7307300CC7}">
-  <ds:schemaRefs>
-    <ds:schemaRef ds:uri="http://schemas.microsoft.com/sharepoint/v3/contenttype/forms"/>
-  </ds:schemaRefs>
-</ds:datastoreItem>
+<file path=customXml/item3.xml><?xml version="1.0" encoding="utf-8"?>
+<p:properties xmlns:p="http://schemas.microsoft.com/office/2006/metadata/properties" xmlns:xsi="http://www.w3.org/2001/XMLSchema-instance" xmlns:pc="http://schemas.microsoft.com/office/infopath/2007/PartnerControls">
+  <documentManagement>
+    <_activity xmlns="6d50c31e-dd39-4a8d-9533-e3e1267260b8" xsi:nil="true"/>
+  </documentManagement>
+</p:properties>
 </file>
 
-<file path=customXml/itemProps3.xml><?xml version="1.0" encoding="utf-8"?>
+<file path=customXml/itemProps1.xml><?xml version="1.0" encoding="utf-8"?>
 <ds:datastoreItem xmlns:ds="http://schemas.openxmlformats.org/officeDocument/2006/customXml" ds:itemID="{6B9EF1C5-9B96-4874-AA56-B821F7CAD573}">
   <ds:schemaRefs>
     <ds:schemaRef ds:uri="6d50c31e-dd39-4a8d-9533-e3e1267260b8"/>
@@ -7879,4 +7872,28 @@
     <ds:schemaRef ds:uri="http://www.w3.org/2001/XMLSchema"/>
   </ds:schemaRefs>
 </ds:datastoreItem>
+</file>
+
+<file path=customXml/itemProps2.xml><?xml version="1.0" encoding="utf-8"?>
+<ds:datastoreItem xmlns:ds="http://schemas.openxmlformats.org/officeDocument/2006/customXml" ds:itemID="{AEA8B674-F4D5-44F8-8225-4A7307300CC7}">
+  <ds:schemaRefs>
+    <ds:schemaRef ds:uri="http://schemas.microsoft.com/sharepoint/v3/contenttype/forms"/>
+  </ds:schemaRefs>
+</ds:datastoreItem>
+</file>
+
+<file path=customXml/itemProps3.xml><?xml version="1.0" encoding="utf-8"?>
+<ds:datastoreItem xmlns:ds="http://schemas.openxmlformats.org/officeDocument/2006/customXml" ds:itemID="{BC5F7A92-F93C-407C-9CB7-379FAC061172}">
+  <ds:schemaRefs>
+    <ds:schemaRef ds:uri="6d50c31e-dd39-4a8d-9533-e3e1267260b8"/>
+    <ds:schemaRef ds:uri="http://purl.org/dc/dcmitype/"/>
+    <ds:schemaRef ds:uri="http://purl.org/dc/elements/1.1/"/>
+    <ds:schemaRef ds:uri="http://purl.org/dc/terms/"/>
+    <ds:schemaRef ds:uri="http://schemas.microsoft.com/office/2006/documentManagement/types"/>
+    <ds:schemaRef ds:uri="http://schemas.microsoft.com/office/2006/metadata/properties"/>
+    <ds:schemaRef ds:uri="http://schemas.microsoft.com/office/infopath/2007/PartnerControls"/>
+    <ds:schemaRef ds:uri="http://schemas.openxmlformats.org/package/2006/metadata/core-properties"/>
+    <ds:schemaRef ds:uri="http://www.w3.org/XML/1998/namespace"/>
+  </ds:schemaRefs>
+</ds:datastoreItem>
 </file>
--- a/sionna_introduction.pptx
+++ b/sionna_introduction.pptx
@@ -5,10 +5,10 @@
     <p:sldMasterId id="2147483648" r:id="rId4"/>
   </p:sldMasterIdLst>
   <p:notesMasterIdLst>
-    <p:notesMasterId r:id="rId15"/>
+    <p:notesMasterId r:id="rId16"/>
   </p:notesMasterIdLst>
   <p:handoutMasterIdLst>
-    <p:handoutMasterId r:id="rId16"/>
+    <p:handoutMasterId r:id="rId17"/>
   </p:handoutMasterIdLst>
   <p:sldIdLst>
     <p:sldId id="389" r:id="rId5"/>
@@ -18,9 +18,10 @@
     <p:sldId id="399" r:id="rId9"/>
     <p:sldId id="400" r:id="rId10"/>
     <p:sldId id="401" r:id="rId11"/>
-    <p:sldId id="392" r:id="rId12"/>
-    <p:sldId id="393" r:id="rId13"/>
-    <p:sldId id="394" r:id="rId14"/>
+    <p:sldId id="402" r:id="rId12"/>
+    <p:sldId id="392" r:id="rId13"/>
+    <p:sldId id="393" r:id="rId14"/>
+    <p:sldId id="394" r:id="rId15"/>
   </p:sldIdLst>
   <p:sldSz cx="12192000" cy="6858000"/>
   <p:notesSz cx="6797675" cy="9929813"/>
@@ -131,6 +132,7 @@
             <p14:sldId id="399"/>
             <p14:sldId id="400"/>
             <p14:sldId id="401"/>
+            <p14:sldId id="402"/>
             <p14:sldId id="392"/>
             <p14:sldId id="393"/>
             <p14:sldId id="394"/>
@@ -400,7 +402,7 @@
           <a:p>
             <a:fld id="{A7EF565A-ED91-614C-9488-5A36ACA24F05}" type="datetimeFigureOut">
               <a:rPr lang="en-US" smtClean="0"/>
-              <a:t>3/14/2025</a:t>
+              <a:t>3/14/25</a:t>
             </a:fld>
             <a:endParaRPr lang="en-US"/>
           </a:p>
@@ -1366,7 +1368,7 @@
           <a:p>
             <a:fld id="{C2D3DE47-1FA0-6945-9A11-362819D8D67B}" type="datetime1">
               <a:rPr lang="en-US" smtClean="0"/>
-              <a:t>3/14/2025</a:t>
+              <a:t>3/14/25</a:t>
             </a:fld>
             <a:endParaRPr lang="en-US"/>
           </a:p>
@@ -1564,7 +1566,7 @@
           <a:p>
             <a:fld id="{5BCF0193-2123-F14F-A649-EACDA8655AD5}" type="datetime1">
               <a:rPr lang="en-US" smtClean="0"/>
-              <a:t>3/14/2025</a:t>
+              <a:t>3/14/25</a:t>
             </a:fld>
             <a:endParaRPr lang="en-US"/>
           </a:p>
@@ -1802,7 +1804,7 @@
           <a:p>
             <a:fld id="{380B12C6-F80E-6A40-B426-E539A898473B}" type="datetime1">
               <a:rPr lang="en-US" smtClean="0"/>
-              <a:t>3/14/2025</a:t>
+              <a:t>3/14/25</a:t>
             </a:fld>
             <a:endParaRPr lang="en-US"/>
           </a:p>
@@ -2030,7 +2032,7 @@
           <a:p>
             <a:fld id="{FF89A972-FC5E-0C48-A4D4-13A5F2CB5FB6}" type="datetime1">
               <a:rPr lang="en-US" smtClean="0"/>
-              <a:t>3/14/2025</a:t>
+              <a:t>3/14/25</a:t>
             </a:fld>
             <a:endParaRPr lang="en-US"/>
           </a:p>
@@ -2335,7 +2337,7 @@
           <a:p>
             <a:fld id="{39E9A4AC-3B68-A048-BD5C-B1A03F8B7E31}" type="datetime1">
               <a:rPr lang="en-US" smtClean="0"/>
-              <a:t>3/14/2025</a:t>
+              <a:t>3/14/25</a:t>
             </a:fld>
             <a:endParaRPr lang="en-US"/>
           </a:p>
@@ -2630,7 +2632,7 @@
           <a:p>
             <a:fld id="{C26485C3-9F1B-9D4B-8BDC-69692507CF36}" type="datetime1">
               <a:rPr lang="en-US" smtClean="0"/>
-              <a:t>3/14/2025</a:t>
+              <a:t>3/14/25</a:t>
             </a:fld>
             <a:endParaRPr lang="en-US"/>
           </a:p>
@@ -3072,7 +3074,7 @@
           <a:p>
             <a:fld id="{CFC9EE40-8FF1-5E49-99BC-178D99558DB4}" type="datetime1">
               <a:rPr lang="en-US" smtClean="0"/>
-              <a:t>3/14/2025</a:t>
+              <a:t>3/14/25</a:t>
             </a:fld>
             <a:endParaRPr lang="en-US"/>
           </a:p>
@@ -3243,7 +3245,7 @@
           <a:p>
             <a:fld id="{FE4D24EA-4AEC-BC43-8BC5-5C733292AAC5}" type="datetime1">
               <a:rPr lang="en-US" smtClean="0"/>
-              <a:t>3/14/2025</a:t>
+              <a:t>3/14/25</a:t>
             </a:fld>
             <a:endParaRPr lang="en-US"/>
           </a:p>
@@ -3386,7 +3388,7 @@
           <a:p>
             <a:fld id="{97A04519-E67B-6C4A-A013-A3893424126E}" type="datetime1">
               <a:rPr lang="en-US" smtClean="0"/>
-              <a:t>3/14/2025</a:t>
+              <a:t>3/14/25</a:t>
             </a:fld>
             <a:endParaRPr lang="en-US"/>
           </a:p>
@@ -3727,7 +3729,7 @@
           <a:p>
             <a:fld id="{95F28B83-DF1D-FC4A-B4D3-292870CA6B9A}" type="datetime1">
               <a:rPr lang="en-US" smtClean="0"/>
-              <a:t>3/14/2025</a:t>
+              <a:t>3/14/25</a:t>
             </a:fld>
             <a:endParaRPr lang="en-US"/>
           </a:p>
@@ -4045,7 +4047,7 @@
           <a:p>
             <a:fld id="{9C9BE846-DE9B-8A49-8269-348126CDA0C3}" type="datetime1">
               <a:rPr lang="en-US" smtClean="0"/>
-              <a:t>3/14/2025</a:t>
+              <a:t>3/14/25</a:t>
             </a:fld>
             <a:endParaRPr lang="en-US"/>
           </a:p>
@@ -4325,7 +4327,7 @@
           <a:p>
             <a:fld id="{47902E27-D44F-7340-8330-13703F478D55}" type="datetime1">
               <a:rPr lang="en-US" smtClean="0"/>
-              <a:t>3/14/2025</a:t>
+              <a:t>3/14/25</a:t>
             </a:fld>
             <a:endParaRPr lang="en-US"/>
           </a:p>
@@ -5154,7 +5156,7 @@
           <p:cNvPr id="2" name="標題 1">
             <a:extLst>
               <a:ext uri="{FF2B5EF4-FFF2-40B4-BE49-F238E27FC236}">
-                <a16:creationId xmlns:a16="http://schemas.microsoft.com/office/drawing/2014/main" id="{542305F7-0F6A-A199-0A5D-64270FA0F24E}"/>
+                <a16:creationId xmlns:a16="http://schemas.microsoft.com/office/drawing/2014/main" id="{51D5BAE8-668B-AA2A-6903-29B81E83FABA}"/>
               </a:ext>
             </a:extLst>
           </p:cNvPr>
@@ -5172,43 +5174,47 @@
           <a:p>
             <a:r>
               <a:rPr kumimoji="1" lang="en-US" altLang="zh-TW" dirty="0"/>
-              <a:t>Case 3 : Neural receiver</a:t>
+              <a:t>Case 2 : Ray tracing</a:t>
             </a:r>
             <a:endParaRPr kumimoji="1" lang="zh-TW" altLang="en-US" dirty="0"/>
           </a:p>
         </p:txBody>
       </p:sp>
-      <p:sp>
-        <p:nvSpPr>
-          <p:cNvPr id="3" name="內容版面配置區 2">
-            <a:extLst>
-              <a:ext uri="{FF2B5EF4-FFF2-40B4-BE49-F238E27FC236}">
-                <a16:creationId xmlns:a16="http://schemas.microsoft.com/office/drawing/2014/main" id="{471D54A4-42ED-6770-C762-A6FB791D7DD2}"/>
-              </a:ext>
-            </a:extLst>
-          </p:cNvPr>
-          <p:cNvSpPr>
-            <a:spLocks noGrp="1"/>
-          </p:cNvSpPr>
+      <p:pic>
+        <p:nvPicPr>
+          <p:cNvPr id="6" name="內容版面配置區 5" descr="一張含有 鮮豔, 圖表, 螢幕擷取畫面, 行 的圖片&#10;&#10;自動產生的描述">
+            <a:extLst>
+              <a:ext uri="{FF2B5EF4-FFF2-40B4-BE49-F238E27FC236}">
+                <a16:creationId xmlns:a16="http://schemas.microsoft.com/office/drawing/2014/main" id="{DD4B069D-95F7-DA5E-115C-638A14DD16E9}"/>
+              </a:ext>
+            </a:extLst>
+          </p:cNvPr>
+          <p:cNvPicPr>
+            <a:picLocks noGrp="1" noChangeAspect="1"/>
+          </p:cNvPicPr>
           <p:nvPr>
             <p:ph idx="1"/>
           </p:nvPr>
-        </p:nvSpPr>
-        <p:spPr/>
-        <p:txBody>
-          <a:bodyPr/>
-          <a:lstStyle/>
-          <a:p>
-            <a:endParaRPr kumimoji="1" lang="zh-TW" altLang="en-US"/>
-          </a:p>
-        </p:txBody>
-      </p:sp>
+        </p:nvPicPr>
+        <p:blipFill>
+          <a:blip r:embed="rId2"/>
+          <a:stretch>
+            <a:fillRect/>
+          </a:stretch>
+        </p:blipFill>
+        <p:spPr>
+          <a:xfrm>
+            <a:off x="654423" y="2201069"/>
+            <a:ext cx="4876800" cy="3644900"/>
+          </a:xfrm>
+        </p:spPr>
+      </p:pic>
       <p:sp>
         <p:nvSpPr>
           <p:cNvPr id="4" name="投影片編號版面配置區 3">
             <a:extLst>
               <a:ext uri="{FF2B5EF4-FFF2-40B4-BE49-F238E27FC236}">
-                <a16:creationId xmlns:a16="http://schemas.microsoft.com/office/drawing/2014/main" id="{D598A983-1747-D791-FD91-D8280EAC55FA}"/>
+                <a16:creationId xmlns:a16="http://schemas.microsoft.com/office/drawing/2014/main" id="{91CF58E0-6320-6E7D-F0ED-813BDC959FF5}"/>
               </a:ext>
             </a:extLst>
           </p:cNvPr>
@@ -5227,6 +5233,185 @@
             <a:fld id="{67BC117D-83F2-EB4A-AF21-EDA51D737CAD}" type="slidenum">
               <a:rPr lang="en-US" smtClean="0"/>
               <a:t>10</a:t>
+            </a:fld>
+            <a:endParaRPr lang="en-US"/>
+          </a:p>
+        </p:txBody>
+      </p:sp>
+      <p:pic>
+        <p:nvPicPr>
+          <p:cNvPr id="8" name="圖片 7" descr="一張含有 螢幕擷取畫面, 像素 的圖片&#10;&#10;自動產生的描述">
+            <a:extLst>
+              <a:ext uri="{FF2B5EF4-FFF2-40B4-BE49-F238E27FC236}">
+                <a16:creationId xmlns:a16="http://schemas.microsoft.com/office/drawing/2014/main" id="{BA0BE0A2-4BD3-401D-EB2C-3B07C028A575}"/>
+              </a:ext>
+            </a:extLst>
+          </p:cNvPr>
+          <p:cNvPicPr>
+            <a:picLocks noChangeAspect="1"/>
+          </p:cNvPicPr>
+          <p:nvPr/>
+        </p:nvPicPr>
+        <p:blipFill>
+          <a:blip r:embed="rId3"/>
+          <a:stretch>
+            <a:fillRect/>
+          </a:stretch>
+        </p:blipFill>
+        <p:spPr>
+          <a:xfrm>
+            <a:off x="6142733" y="1975555"/>
+            <a:ext cx="5394844" cy="3870413"/>
+          </a:xfrm>
+          <a:prstGeom prst="rect">
+            <a:avLst/>
+          </a:prstGeom>
+        </p:spPr>
+      </p:pic>
+      <p:sp>
+        <p:nvSpPr>
+          <p:cNvPr id="3" name="文字方塊 2">
+            <a:extLst>
+              <a:ext uri="{FF2B5EF4-FFF2-40B4-BE49-F238E27FC236}">
+                <a16:creationId xmlns:a16="http://schemas.microsoft.com/office/drawing/2014/main" id="{0B0DD11B-3132-C815-A039-E6DF4C0C6C23}"/>
+              </a:ext>
+            </a:extLst>
+          </p:cNvPr>
+          <p:cNvSpPr txBox="1"/>
+          <p:nvPr/>
+        </p:nvSpPr>
+        <p:spPr>
+          <a:xfrm>
+            <a:off x="3092823" y="1602289"/>
+            <a:ext cx="5663730" cy="461665"/>
+          </a:xfrm>
+          <a:prstGeom prst="rect">
+            <a:avLst/>
+          </a:prstGeom>
+          <a:noFill/>
+        </p:spPr>
+        <p:txBody>
+          <a:bodyPr wrap="none" rtlCol="0">
+            <a:spAutoFit/>
+          </a:bodyPr>
+          <a:lstStyle/>
+          <a:p>
+            <a:r>
+              <a:rPr kumimoji="1" lang="en-US" altLang="zh-TW" sz="2400" dirty="0"/>
+              <a:t>Ray tracing simulation in NYCU campus</a:t>
+            </a:r>
+            <a:endParaRPr kumimoji="1" lang="zh-TW" altLang="en-US" sz="2400" dirty="0"/>
+          </a:p>
+        </p:txBody>
+      </p:sp>
+    </p:spTree>
+    <p:extLst>
+      <p:ext uri="{BB962C8B-B14F-4D97-AF65-F5344CB8AC3E}">
+        <p14:creationId xmlns:p14="http://schemas.microsoft.com/office/powerpoint/2010/main" val="964237522"/>
+      </p:ext>
+    </p:extLst>
+  </p:cSld>
+  <p:clrMapOvr>
+    <a:masterClrMapping/>
+  </p:clrMapOvr>
+</p:sld>
+</file>
+
+<file path=ppt/slides/slide11.xml><?xml version="1.0" encoding="utf-8"?>
+<p:sld xmlns:a="http://schemas.openxmlformats.org/drawingml/2006/main" xmlns:r="http://schemas.openxmlformats.org/officeDocument/2006/relationships" xmlns:p="http://schemas.openxmlformats.org/presentationml/2006/main">
+  <p:cSld>
+    <p:spTree>
+      <p:nvGrpSpPr>
+        <p:cNvPr id="1" name=""/>
+        <p:cNvGrpSpPr/>
+        <p:nvPr/>
+      </p:nvGrpSpPr>
+      <p:grpSpPr>
+        <a:xfrm>
+          <a:off x="0" y="0"/>
+          <a:ext cx="0" cy="0"/>
+          <a:chOff x="0" y="0"/>
+          <a:chExt cx="0" cy="0"/>
+        </a:xfrm>
+      </p:grpSpPr>
+      <p:sp>
+        <p:nvSpPr>
+          <p:cNvPr id="2" name="標題 1">
+            <a:extLst>
+              <a:ext uri="{FF2B5EF4-FFF2-40B4-BE49-F238E27FC236}">
+                <a16:creationId xmlns:a16="http://schemas.microsoft.com/office/drawing/2014/main" id="{542305F7-0F6A-A199-0A5D-64270FA0F24E}"/>
+              </a:ext>
+            </a:extLst>
+          </p:cNvPr>
+          <p:cNvSpPr>
+            <a:spLocks noGrp="1"/>
+          </p:cNvSpPr>
+          <p:nvPr>
+            <p:ph type="title"/>
+          </p:nvPr>
+        </p:nvSpPr>
+        <p:spPr/>
+        <p:txBody>
+          <a:bodyPr/>
+          <a:lstStyle/>
+          <a:p>
+            <a:r>
+              <a:rPr kumimoji="1" lang="en-US" altLang="zh-TW" dirty="0"/>
+              <a:t>Case 3 : Neural receiver</a:t>
+            </a:r>
+            <a:endParaRPr kumimoji="1" lang="zh-TW" altLang="en-US" dirty="0"/>
+          </a:p>
+        </p:txBody>
+      </p:sp>
+      <p:sp>
+        <p:nvSpPr>
+          <p:cNvPr id="3" name="內容版面配置區 2">
+            <a:extLst>
+              <a:ext uri="{FF2B5EF4-FFF2-40B4-BE49-F238E27FC236}">
+                <a16:creationId xmlns:a16="http://schemas.microsoft.com/office/drawing/2014/main" id="{471D54A4-42ED-6770-C762-A6FB791D7DD2}"/>
+              </a:ext>
+            </a:extLst>
+          </p:cNvPr>
+          <p:cNvSpPr>
+            <a:spLocks noGrp="1"/>
+          </p:cNvSpPr>
+          <p:nvPr>
+            <p:ph idx="1"/>
+          </p:nvPr>
+        </p:nvSpPr>
+        <p:spPr/>
+        <p:txBody>
+          <a:bodyPr/>
+          <a:lstStyle/>
+          <a:p>
+            <a:endParaRPr kumimoji="1" lang="zh-TW" altLang="en-US" dirty="0"/>
+          </a:p>
+        </p:txBody>
+      </p:sp>
+      <p:sp>
+        <p:nvSpPr>
+          <p:cNvPr id="4" name="投影片編號版面配置區 3">
+            <a:extLst>
+              <a:ext uri="{FF2B5EF4-FFF2-40B4-BE49-F238E27FC236}">
+                <a16:creationId xmlns:a16="http://schemas.microsoft.com/office/drawing/2014/main" id="{D598A983-1747-D791-FD91-D8280EAC55FA}"/>
+              </a:ext>
+            </a:extLst>
+          </p:cNvPr>
+          <p:cNvSpPr>
+            <a:spLocks noGrp="1"/>
+          </p:cNvSpPr>
+          <p:nvPr>
+            <p:ph type="sldNum" sz="quarter" idx="12"/>
+          </p:nvPr>
+        </p:nvSpPr>
+        <p:spPr/>
+        <p:txBody>
+          <a:bodyPr/>
+          <a:lstStyle/>
+          <a:p>
+            <a:fld id="{67BC117D-83F2-EB4A-AF21-EDA51D737CAD}" type="slidenum">
+              <a:rPr lang="en-US" smtClean="0"/>
+              <a:t>11</a:t>
             </a:fld>
             <a:endParaRPr lang="en-US"/>
           </a:p>
@@ -5278,9 +5463,16 @@
             <p:ph type="title"/>
           </p:nvPr>
         </p:nvSpPr>
-        <p:spPr/>
-        <p:txBody>
-          <a:bodyPr/>
+        <p:spPr>
+          <a:xfrm>
+            <a:off x="838200" y="365125"/>
+            <a:ext cx="10515600" cy="1325563"/>
+          </a:xfrm>
+        </p:spPr>
+        <p:txBody>
+          <a:bodyPr anchor="ctr">
+            <a:normAutofit/>
+          </a:bodyPr>
           <a:lstStyle/>
           <a:p>
             <a:r>
@@ -5312,61 +5504,101 @@
             <a:spLocks noGrp="1"/>
           </p:cNvSpPr>
           <p:nvPr>
-            <p:ph idx="1"/>
-          </p:nvPr>
-        </p:nvSpPr>
-        <p:spPr/>
-        <p:txBody>
-          <a:bodyPr/>
-          <a:lstStyle/>
-          <a:p>
-            <a:r>
-              <a:rPr lang="en-US" altLang="zh-TW" dirty="0"/>
-              <a:t>Open-source Wireless Communication Simulation Framework</a:t>
-            </a:r>
-          </a:p>
-          <a:p>
-            <a:r>
-              <a:rPr lang="en-US" altLang="zh-TW" dirty="0"/>
+            <p:ph sz="half" idx="1"/>
+          </p:nvPr>
+        </p:nvSpPr>
+        <p:spPr>
+          <a:xfrm>
+            <a:off x="838200" y="1825625"/>
+            <a:ext cx="5181600" cy="4351338"/>
+          </a:xfrm>
+        </p:spPr>
+        <p:txBody>
+          <a:bodyPr>
+            <a:normAutofit/>
+          </a:bodyPr>
+          <a:lstStyle/>
+          <a:p>
+            <a:r>
+              <a:rPr lang="en-US" altLang="zh-TW" sz="2400" b="1" dirty="0">
+                <a:solidFill>
+                  <a:srgbClr val="FF0000"/>
+                </a:solidFill>
+              </a:rPr>
+              <a:t>Open-source</a:t>
+            </a:r>
+            <a:r>
+              <a:rPr lang="en-US" altLang="zh-TW" sz="2400" dirty="0"/>
+              <a:t> Wireless Communication Simulation Framework</a:t>
+            </a:r>
+          </a:p>
+          <a:p>
+            <a:r>
+              <a:rPr lang="en-US" altLang="zh-TW" sz="2400" dirty="0"/>
               <a:t>Built upon </a:t>
             </a:r>
             <a:r>
-              <a:rPr lang="en-US" altLang="zh-TW" b="1" dirty="0"/>
+              <a:rPr lang="en-US" altLang="zh-TW" sz="2400" b="1" dirty="0">
+                <a:solidFill>
+                  <a:schemeClr val="accent1"/>
+                </a:solidFill>
+              </a:rPr>
               <a:t>TensorFlow</a:t>
             </a:r>
             <a:r>
-              <a:rPr lang="en-US" altLang="zh-TW" dirty="0"/>
+              <a:rPr lang="en-US" altLang="zh-TW" sz="2400" dirty="0"/>
               <a:t>, designed for developing, analyzing, and validating wireless communication algorithms</a:t>
             </a:r>
           </a:p>
           <a:p>
             <a:r>
-              <a:rPr kumimoji="1" lang="en-US" altLang="zh-TW" dirty="0"/>
-              <a:t>Includes extensive modules covering essential parts of communication systems: channel models, coding schemes, MIMO, OFDM, and more</a:t>
-            </a:r>
-          </a:p>
-          <a:p>
-            <a:r>
-              <a:rPr lang="en-US" altLang="zh-TW" dirty="0"/>
+              <a:rPr lang="en-US" altLang="zh-TW" sz="2400" dirty="0"/>
               <a:t>Particularly suited for research and development in modern wireless standards such as </a:t>
             </a:r>
             <a:r>
-              <a:rPr lang="en-US" altLang="zh-TW" b="1" dirty="0"/>
+              <a:rPr lang="en-US" altLang="zh-TW" sz="2400" b="1" dirty="0"/>
               <a:t>5G/6G</a:t>
             </a:r>
-            <a:r>
-              <a:rPr lang="en-US" altLang="zh-TW" dirty="0"/>
-              <a:t>.</a:t>
-            </a:r>
-          </a:p>
-          <a:p>
-            <a:endParaRPr kumimoji="1" lang="en-US" altLang="zh-TW" dirty="0"/>
-          </a:p>
-          <a:p>
-            <a:endParaRPr kumimoji="1" lang="zh-TW" altLang="en-US" dirty="0"/>
-          </a:p>
-        </p:txBody>
-      </p:sp>
+            <a:endParaRPr lang="en-US" altLang="zh-TW" sz="2400" dirty="0"/>
+          </a:p>
+          <a:p>
+            <a:endParaRPr kumimoji="1" lang="en-US" altLang="zh-TW" sz="2400" dirty="0"/>
+          </a:p>
+          <a:p>
+            <a:endParaRPr kumimoji="1" lang="zh-TW" altLang="en-US" sz="2400" dirty="0"/>
+          </a:p>
+        </p:txBody>
+      </p:sp>
+      <p:pic>
+        <p:nvPicPr>
+          <p:cNvPr id="5" name="內容版面配置區 5" descr="一張含有 鮮豔, 圖表, 螢幕擷取畫面, 行 的圖片&#10;&#10;自動產生的描述">
+            <a:extLst>
+              <a:ext uri="{FF2B5EF4-FFF2-40B4-BE49-F238E27FC236}">
+                <a16:creationId xmlns:a16="http://schemas.microsoft.com/office/drawing/2014/main" id="{EC1F2992-017F-01CF-60FA-730647F52C63}"/>
+              </a:ext>
+            </a:extLst>
+          </p:cNvPr>
+          <p:cNvPicPr>
+            <a:picLocks noChangeAspect="1"/>
+          </p:cNvPicPr>
+          <p:nvPr/>
+        </p:nvPicPr>
+        <p:blipFill>
+          <a:blip r:embed="rId3"/>
+          <a:srcRect l="1770" r="9324" b="-2"/>
+          <a:stretch/>
+        </p:blipFill>
+        <p:spPr>
+          <a:xfrm>
+            <a:off x="6172200" y="1825625"/>
+            <a:ext cx="5181600" cy="4351338"/>
+          </a:xfrm>
+          <a:prstGeom prst="rect">
+            <a:avLst/>
+          </a:prstGeom>
+          <a:noFill/>
+        </p:spPr>
+      </p:pic>
       <p:sp>
         <p:nvSpPr>
           <p:cNvPr id="4" name="投影片編號版面配置區 3">
@@ -5383,13 +5615,30 @@
             <p:ph type="sldNum" sz="quarter" idx="12"/>
           </p:nvPr>
         </p:nvSpPr>
-        <p:spPr/>
-        <p:txBody>
-          <a:bodyPr/>
-          <a:lstStyle/>
-          <a:p>
+        <p:spPr>
+          <a:xfrm>
+            <a:off x="8610600" y="6356350"/>
+            <a:ext cx="2743200" cy="365125"/>
+          </a:xfrm>
+        </p:spPr>
+        <p:txBody>
+          <a:bodyPr anchor="ctr">
+            <a:normAutofit/>
+          </a:bodyPr>
+          <a:lstStyle/>
+          <a:p>
+            <a:pPr>
+              <a:spcAft>
+                <a:spcPts val="600"/>
+              </a:spcAft>
+            </a:pPr>
             <a:fld id="{67BC117D-83F2-EB4A-AF21-EDA51D737CAD}" type="slidenum">
               <a:rPr lang="en-US" smtClean="0"/>
+              <a:pPr>
+                <a:spcAft>
+                  <a:spcPts val="600"/>
+                </a:spcAft>
+              </a:pPr>
               <a:t>2</a:t>
             </a:fld>
             <a:endParaRPr lang="en-US"/>
@@ -6370,6 +6619,50 @@
           </a:p>
         </p:txBody>
       </p:sp>
+      <p:sp>
+        <p:nvSpPr>
+          <p:cNvPr id="7" name="文字方塊 6">
+            <a:extLst>
+              <a:ext uri="{FF2B5EF4-FFF2-40B4-BE49-F238E27FC236}">
+                <a16:creationId xmlns:a16="http://schemas.microsoft.com/office/drawing/2014/main" id="{12344765-E607-477C-1E76-398CD360350D}"/>
+              </a:ext>
+            </a:extLst>
+          </p:cNvPr>
+          <p:cNvSpPr txBox="1"/>
+          <p:nvPr/>
+        </p:nvSpPr>
+        <p:spPr>
+          <a:xfrm>
+            <a:off x="8310281" y="5130635"/>
+            <a:ext cx="2210926" cy="369332"/>
+          </a:xfrm>
+          <a:prstGeom prst="rect">
+            <a:avLst/>
+          </a:prstGeom>
+          <a:noFill/>
+        </p:spPr>
+        <p:txBody>
+          <a:bodyPr wrap="none" rtlCol="0">
+            <a:spAutoFit/>
+          </a:bodyPr>
+          <a:lstStyle/>
+          <a:p>
+            <a:r>
+              <a:rPr kumimoji="1" lang="en-US" altLang="zh-TW" dirty="0">
+                <a:solidFill>
+                  <a:srgbClr val="FF0000"/>
+                </a:solidFill>
+              </a:rPr>
+              <a:t>Change to AI model</a:t>
+            </a:r>
+            <a:endParaRPr kumimoji="1" lang="zh-TW" altLang="en-US" dirty="0">
+              <a:solidFill>
+                <a:srgbClr val="FF0000"/>
+              </a:solidFill>
+            </a:endParaRPr>
+          </a:p>
+        </p:txBody>
+      </p:sp>
     </p:spTree>
     <p:extLst>
       <p:ext uri="{BB962C8B-B14F-4D97-AF65-F5344CB8AC3E}">
@@ -6606,7 +6899,7 @@
           <p:cNvPr id="2" name="標題 1">
             <a:extLst>
               <a:ext uri="{FF2B5EF4-FFF2-40B4-BE49-F238E27FC236}">
-                <a16:creationId xmlns:a16="http://schemas.microsoft.com/office/drawing/2014/main" id="{F0E2E115-B904-3FCE-D4E1-ABBE3C000FAD}"/>
+                <a16:creationId xmlns:a16="http://schemas.microsoft.com/office/drawing/2014/main" id="{7A395BC5-ABAA-A15D-55EF-97CF0DE50B52}"/>
               </a:ext>
             </a:extLst>
           </p:cNvPr>
@@ -6624,47 +6917,47 @@
           <a:p>
             <a:r>
               <a:rPr kumimoji="1" lang="en-US" altLang="zh-TW" dirty="0"/>
-              <a:t>Case 1 : Link-level simulation</a:t>
+              <a:t>Basic usage of S</a:t>
+            </a:r>
+            <a:r>
+              <a:rPr kumimoji="1" lang="en-US" altLang="zh-TW"/>
+              <a:t>ionna</a:t>
             </a:r>
             <a:endParaRPr kumimoji="1" lang="zh-TW" altLang="en-US" dirty="0"/>
           </a:p>
         </p:txBody>
       </p:sp>
-      <p:pic>
-        <p:nvPicPr>
-          <p:cNvPr id="6" name="內容版面配置區 5" descr="一張含有 文字, 螢幕擷取畫面, 字型, 數字 的圖片&#10;&#10;自動產生的描述">
-            <a:extLst>
-              <a:ext uri="{FF2B5EF4-FFF2-40B4-BE49-F238E27FC236}">
-                <a16:creationId xmlns:a16="http://schemas.microsoft.com/office/drawing/2014/main" id="{E1F8033A-229A-0E09-2C4E-78ED83B73EF5}"/>
-              </a:ext>
-            </a:extLst>
-          </p:cNvPr>
-          <p:cNvPicPr>
-            <a:picLocks noGrp="1" noChangeAspect="1"/>
-          </p:cNvPicPr>
+      <p:sp>
+        <p:nvSpPr>
+          <p:cNvPr id="3" name="內容版面配置區 2">
+            <a:extLst>
+              <a:ext uri="{FF2B5EF4-FFF2-40B4-BE49-F238E27FC236}">
+                <a16:creationId xmlns:a16="http://schemas.microsoft.com/office/drawing/2014/main" id="{3B33F102-6983-75C1-B4AE-4458F55063AC}"/>
+              </a:ext>
+            </a:extLst>
+          </p:cNvPr>
+          <p:cNvSpPr>
+            <a:spLocks noGrp="1"/>
+          </p:cNvSpPr>
           <p:nvPr>
             <p:ph idx="1"/>
           </p:nvPr>
-        </p:nvPicPr>
-        <p:blipFill>
-          <a:blip r:embed="rId2"/>
-          <a:stretch>
-            <a:fillRect/>
-          </a:stretch>
-        </p:blipFill>
-        <p:spPr>
-          <a:xfrm>
-            <a:off x="722488" y="2327238"/>
-            <a:ext cx="5508811" cy="2203524"/>
-          </a:xfrm>
-        </p:spPr>
-      </p:pic>
+        </p:nvSpPr>
+        <p:spPr/>
+        <p:txBody>
+          <a:bodyPr/>
+          <a:lstStyle/>
+          <a:p>
+            <a:endParaRPr kumimoji="1" lang="zh-TW" altLang="en-US"/>
+          </a:p>
+        </p:txBody>
+      </p:sp>
       <p:sp>
         <p:nvSpPr>
           <p:cNvPr id="4" name="投影片編號版面配置區 3">
             <a:extLst>
               <a:ext uri="{FF2B5EF4-FFF2-40B4-BE49-F238E27FC236}">
-                <a16:creationId xmlns:a16="http://schemas.microsoft.com/office/drawing/2014/main" id="{ADFAC55A-2866-A132-CBA5-1503D756D705}"/>
+                <a16:creationId xmlns:a16="http://schemas.microsoft.com/office/drawing/2014/main" id="{8C4C456D-8426-6FD4-ADE9-1669950CA4CE}"/>
               </a:ext>
             </a:extLst>
           </p:cNvPr>
@@ -6688,40 +6981,10 @@
           </a:p>
         </p:txBody>
       </p:sp>
-      <p:pic>
-        <p:nvPicPr>
-          <p:cNvPr id="8" name="圖片 7" descr="一張含有 文字, 行, 繪圖, 圖表 的圖片&#10;&#10;自動產生的描述">
-            <a:extLst>
-              <a:ext uri="{FF2B5EF4-FFF2-40B4-BE49-F238E27FC236}">
-                <a16:creationId xmlns:a16="http://schemas.microsoft.com/office/drawing/2014/main" id="{77F6E2A8-6C6C-FE11-A2CB-8321D21FFDBF}"/>
-              </a:ext>
-            </a:extLst>
-          </p:cNvPr>
-          <p:cNvPicPr>
-            <a:picLocks noChangeAspect="1"/>
-          </p:cNvPicPr>
-          <p:nvPr/>
-        </p:nvPicPr>
-        <p:blipFill>
-          <a:blip r:embed="rId3"/>
-          <a:stretch>
-            <a:fillRect/>
-          </a:stretch>
-        </p:blipFill>
-        <p:spPr>
-          <a:xfrm>
-            <a:off x="6445956" y="2952669"/>
-            <a:ext cx="4901867" cy="3228058"/>
-          </a:xfrm>
-          <a:prstGeom prst="rect">
-            <a:avLst/>
-          </a:prstGeom>
-        </p:spPr>
-      </p:pic>
     </p:spTree>
     <p:extLst>
       <p:ext uri="{BB962C8B-B14F-4D97-AF65-F5344CB8AC3E}">
-        <p14:creationId xmlns:p14="http://schemas.microsoft.com/office/powerpoint/2010/main" val="3249377774"/>
+        <p14:creationId xmlns:p14="http://schemas.microsoft.com/office/powerpoint/2010/main" val="1513534983"/>
       </p:ext>
     </p:extLst>
   </p:cSld>
@@ -6753,7 +7016,7 @@
           <p:cNvPr id="2" name="標題 1">
             <a:extLst>
               <a:ext uri="{FF2B5EF4-FFF2-40B4-BE49-F238E27FC236}">
-                <a16:creationId xmlns:a16="http://schemas.microsoft.com/office/drawing/2014/main" id="{51D5BAE8-668B-AA2A-6903-29B81E83FABA}"/>
+                <a16:creationId xmlns:a16="http://schemas.microsoft.com/office/drawing/2014/main" id="{F0E2E115-B904-3FCE-D4E1-ABBE3C000FAD}"/>
               </a:ext>
             </a:extLst>
           </p:cNvPr>
@@ -6771,7 +7034,7 @@
           <a:p>
             <a:r>
               <a:rPr kumimoji="1" lang="en-US" altLang="zh-TW" dirty="0"/>
-              <a:t>Case 2 : Ray tracing</a:t>
+              <a:t>Case 1 : Link-level simulation</a:t>
             </a:r>
             <a:endParaRPr kumimoji="1" lang="zh-TW" altLang="en-US" dirty="0"/>
           </a:p>
@@ -6779,19 +7042,17 @@
       </p:sp>
       <p:pic>
         <p:nvPicPr>
-          <p:cNvPr id="6" name="內容版面配置區 5" descr="一張含有 鮮豔, 圖表, 螢幕擷取畫面, 行 的圖片&#10;&#10;自動產生的描述">
-            <a:extLst>
-              <a:ext uri="{FF2B5EF4-FFF2-40B4-BE49-F238E27FC236}">
-                <a16:creationId xmlns:a16="http://schemas.microsoft.com/office/drawing/2014/main" id="{DD4B069D-95F7-DA5E-115C-638A14DD16E9}"/>
+          <p:cNvPr id="5" name="圖片 4" descr="一張含有 文字, 行, 繪圖, 圖表 的圖片&#10;&#10;自動產生的描述">
+            <a:extLst>
+              <a:ext uri="{FF2B5EF4-FFF2-40B4-BE49-F238E27FC236}">
+                <a16:creationId xmlns:a16="http://schemas.microsoft.com/office/drawing/2014/main" id="{C931A319-4522-F6DF-D965-7C9B30180D37}"/>
               </a:ext>
             </a:extLst>
           </p:cNvPr>
           <p:cNvPicPr>
-            <a:picLocks noGrp="1" noChangeAspect="1"/>
+            <a:picLocks noChangeAspect="1"/>
           </p:cNvPicPr>
-          <p:nvPr>
-            <p:ph idx="1"/>
-          </p:nvPr>
+          <p:nvPr/>
         </p:nvPicPr>
         <p:blipFill>
           <a:blip r:embed="rId2"/>
@@ -6801,53 +7062,29 @@
         </p:blipFill>
         <p:spPr>
           <a:xfrm>
-            <a:off x="654423" y="2201069"/>
-            <a:ext cx="4876800" cy="3644900"/>
+            <a:off x="6521825" y="2737453"/>
+            <a:ext cx="5495364" cy="3618898"/>
           </a:xfrm>
+          <a:prstGeom prst="rect">
+            <a:avLst/>
+          </a:prstGeom>
         </p:spPr>
       </p:pic>
-      <p:sp>
-        <p:nvSpPr>
-          <p:cNvPr id="4" name="投影片編號版面配置區 3">
-            <a:extLst>
-              <a:ext uri="{FF2B5EF4-FFF2-40B4-BE49-F238E27FC236}">
-                <a16:creationId xmlns:a16="http://schemas.microsoft.com/office/drawing/2014/main" id="{91CF58E0-6320-6E7D-F0ED-813BDC959FF5}"/>
-              </a:ext>
-            </a:extLst>
-          </p:cNvPr>
-          <p:cNvSpPr>
-            <a:spLocks noGrp="1"/>
-          </p:cNvSpPr>
-          <p:nvPr>
-            <p:ph type="sldNum" sz="quarter" idx="12"/>
-          </p:nvPr>
-        </p:nvSpPr>
-        <p:spPr/>
-        <p:txBody>
-          <a:bodyPr/>
-          <a:lstStyle/>
-          <a:p>
-            <a:fld id="{67BC117D-83F2-EB4A-AF21-EDA51D737CAD}" type="slidenum">
-              <a:rPr lang="en-US" smtClean="0"/>
-              <a:t>9</a:t>
-            </a:fld>
-            <a:endParaRPr lang="en-US"/>
-          </a:p>
-        </p:txBody>
-      </p:sp>
       <p:pic>
         <p:nvPicPr>
-          <p:cNvPr id="8" name="圖片 7" descr="一張含有 螢幕擷取畫面, 像素 的圖片&#10;&#10;自動產生的描述">
-            <a:extLst>
-              <a:ext uri="{FF2B5EF4-FFF2-40B4-BE49-F238E27FC236}">
-                <a16:creationId xmlns:a16="http://schemas.microsoft.com/office/drawing/2014/main" id="{BA0BE0A2-4BD3-401D-EB2C-3B07C028A575}"/>
+          <p:cNvPr id="6" name="內容版面配置區 5" descr="一張含有 文字, 螢幕擷取畫面, 字型, 數字 的圖片&#10;&#10;自動產生的描述">
+            <a:extLst>
+              <a:ext uri="{FF2B5EF4-FFF2-40B4-BE49-F238E27FC236}">
+                <a16:creationId xmlns:a16="http://schemas.microsoft.com/office/drawing/2014/main" id="{E1F8033A-229A-0E09-2C4E-78ED83B73EF5}"/>
               </a:ext>
             </a:extLst>
           </p:cNvPr>
           <p:cNvPicPr>
-            <a:picLocks noChangeAspect="1"/>
+            <a:picLocks noGrp="1" noChangeAspect="1"/>
           </p:cNvPicPr>
-          <p:nvPr/>
+          <p:nvPr>
+            <p:ph idx="1"/>
+          </p:nvPr>
         </p:nvPicPr>
         <p:blipFill>
           <a:blip r:embed="rId3"/>
@@ -6857,18 +7094,80 @@
         </p:blipFill>
         <p:spPr>
           <a:xfrm>
-            <a:off x="6142733" y="1975555"/>
-            <a:ext cx="5394844" cy="3870413"/>
+            <a:off x="174811" y="1690688"/>
+            <a:ext cx="6685514" cy="2674205"/>
+          </a:xfrm>
+        </p:spPr>
+      </p:pic>
+      <p:sp>
+        <p:nvSpPr>
+          <p:cNvPr id="4" name="投影片編號版面配置區 3">
+            <a:extLst>
+              <a:ext uri="{FF2B5EF4-FFF2-40B4-BE49-F238E27FC236}">
+                <a16:creationId xmlns:a16="http://schemas.microsoft.com/office/drawing/2014/main" id="{ADFAC55A-2866-A132-CBA5-1503D756D705}"/>
+              </a:ext>
+            </a:extLst>
+          </p:cNvPr>
+          <p:cNvSpPr>
+            <a:spLocks noGrp="1"/>
+          </p:cNvSpPr>
+          <p:nvPr>
+            <p:ph type="sldNum" sz="quarter" idx="12"/>
+          </p:nvPr>
+        </p:nvSpPr>
+        <p:spPr/>
+        <p:txBody>
+          <a:bodyPr/>
+          <a:lstStyle/>
+          <a:p>
+            <a:fld id="{67BC117D-83F2-EB4A-AF21-EDA51D737CAD}" type="slidenum">
+              <a:rPr lang="en-US" smtClean="0"/>
+              <a:t>9</a:t>
+            </a:fld>
+            <a:endParaRPr lang="en-US"/>
+          </a:p>
+        </p:txBody>
+      </p:sp>
+      <p:sp>
+        <p:nvSpPr>
+          <p:cNvPr id="7" name="文字方塊 6">
+            <a:extLst>
+              <a:ext uri="{FF2B5EF4-FFF2-40B4-BE49-F238E27FC236}">
+                <a16:creationId xmlns:a16="http://schemas.microsoft.com/office/drawing/2014/main" id="{40322ADB-EEA7-3BFF-CE62-6AFB5B603A04}"/>
+              </a:ext>
+            </a:extLst>
+          </p:cNvPr>
+          <p:cNvSpPr txBox="1"/>
+          <p:nvPr/>
+        </p:nvSpPr>
+        <p:spPr>
+          <a:xfrm>
+            <a:off x="7002759" y="2337342"/>
+            <a:ext cx="5189241" cy="400110"/>
           </a:xfrm>
           <a:prstGeom prst="rect">
             <a:avLst/>
           </a:prstGeom>
+          <a:noFill/>
         </p:spPr>
-      </p:pic>
+        <p:txBody>
+          <a:bodyPr wrap="none" rtlCol="0">
+            <a:spAutoFit/>
+          </a:bodyPr>
+          <a:lstStyle/>
+          <a:p>
+            <a:r>
+              <a:rPr kumimoji="1" lang="en-US" altLang="zh-TW" sz="2000" dirty="0"/>
+              <a:t>Channel coding comparison: LDPC vs Polar</a:t>
+            </a:r>
+            <a:endParaRPr kumimoji="1" lang="zh-TW" altLang="en-US" sz="2000" dirty="0"/>
+          </a:p>
+        </p:txBody>
+      </p:sp>
     </p:spTree>
     <p:extLst>
       <p:ext uri="{BB962C8B-B14F-4D97-AF65-F5344CB8AC3E}">
-        <p14:creationId xmlns:p14="http://schemas.microsoft.com/office/powerpoint/2010/main" val="964237522"/>
+        <p14:creationId xmlns:p14="http://schemas.microsoft.com/office/powerpoint/2010/main" val="3249377774"/>
       </p:ext>
     </p:extLst>
   </p:cSld>
@@ -7840,20 +8139,20 @@
 </file>
 
 <file path=customXml/item2.xml><?xml version="1.0" encoding="utf-8"?>
+<p:properties xmlns:p="http://schemas.microsoft.com/office/2006/metadata/properties" xmlns:xsi="http://www.w3.org/2001/XMLSchema-instance" xmlns:pc="http://schemas.microsoft.com/office/infopath/2007/PartnerControls">
+  <documentManagement>
+    <_activity xmlns="6d50c31e-dd39-4a8d-9533-e3e1267260b8" xsi:nil="true"/>
+  </documentManagement>
+</p:properties>
+</file>
+
+<file path=customXml/item3.xml><?xml version="1.0" encoding="utf-8"?>
 <?mso-contentType ?>
 <FormTemplates xmlns="http://schemas.microsoft.com/sharepoint/v3/contenttype/forms">
   <Display>DocumentLibraryForm</Display>
   <Edit>DocumentLibraryForm</Edit>
   <New>DocumentLibraryForm</New>
 </FormTemplates>
-</file>
-
-<file path=customXml/item3.xml><?xml version="1.0" encoding="utf-8"?>
-<p:properties xmlns:p="http://schemas.microsoft.com/office/2006/metadata/properties" xmlns:xsi="http://www.w3.org/2001/XMLSchema-instance" xmlns:pc="http://schemas.microsoft.com/office/infopath/2007/PartnerControls">
-  <documentManagement>
-    <_activity xmlns="6d50c31e-dd39-4a8d-9533-e3e1267260b8" xsi:nil="true"/>
-  </documentManagement>
-</p:properties>
 </file>
 
 <file path=customXml/itemProps1.xml><?xml version="1.0" encoding="utf-8"?>
@@ -7875,14 +8174,6 @@
 </file>
 
 <file path=customXml/itemProps2.xml><?xml version="1.0" encoding="utf-8"?>
-<ds:datastoreItem xmlns:ds="http://schemas.openxmlformats.org/officeDocument/2006/customXml" ds:itemID="{AEA8B674-F4D5-44F8-8225-4A7307300CC7}">
-  <ds:schemaRefs>
-    <ds:schemaRef ds:uri="http://schemas.microsoft.com/sharepoint/v3/contenttype/forms"/>
-  </ds:schemaRefs>
-</ds:datastoreItem>
-</file>
-
-<file path=customXml/itemProps3.xml><?xml version="1.0" encoding="utf-8"?>
 <ds:datastoreItem xmlns:ds="http://schemas.openxmlformats.org/officeDocument/2006/customXml" ds:itemID="{BC5F7A92-F93C-407C-9CB7-379FAC061172}">
   <ds:schemaRefs>
     <ds:schemaRef ds:uri="6d50c31e-dd39-4a8d-9533-e3e1267260b8"/>
@@ -7896,4 +8187,12 @@
     <ds:schemaRef ds:uri="http://www.w3.org/XML/1998/namespace"/>
   </ds:schemaRefs>
 </ds:datastoreItem>
+</file>
+
+<file path=customXml/itemProps3.xml><?xml version="1.0" encoding="utf-8"?>
+<ds:datastoreItem xmlns:ds="http://schemas.openxmlformats.org/officeDocument/2006/customXml" ds:itemID="{AEA8B674-F4D5-44F8-8225-4A7307300CC7}">
+  <ds:schemaRefs>
+    <ds:schemaRef ds:uri="http://schemas.microsoft.com/sharepoint/v3/contenttype/forms"/>
+  </ds:schemaRefs>
+</ds:datastoreItem>
 </file>
--- a/sionna_introduction.pptx
+++ b/sionna_introduction.pptx
@@ -20,8 +20,8 @@
     <p:sldId id="401" r:id="rId11"/>
     <p:sldId id="402" r:id="rId12"/>
     <p:sldId id="392" r:id="rId13"/>
-    <p:sldId id="393" r:id="rId14"/>
-    <p:sldId id="394" r:id="rId15"/>
+    <p:sldId id="394" r:id="rId14"/>
+    <p:sldId id="393" r:id="rId15"/>
   </p:sldIdLst>
   <p:sldSz cx="12192000" cy="6858000"/>
   <p:notesSz cx="6797675" cy="9929813"/>
@@ -134,8 +134,8 @@
             <p14:sldId id="401"/>
             <p14:sldId id="402"/>
             <p14:sldId id="392"/>
+            <p14:sldId id="394"/>
             <p14:sldId id="393"/>
-            <p14:sldId id="394"/>
           </p14:sldIdLst>
         </p14:section>
       </p14:sectionLst>
@@ -237,7 +237,7 @@
           <a:p>
             <a:fld id="{69794478-0358-49DB-A022-D9720AEA750F}" type="datetimeFigureOut">
               <a:rPr lang="zh-TW" altLang="en-US" smtClean="0"/>
-              <a:t>2025/3/14</a:t>
+              <a:t>2025/3/18</a:t>
             </a:fld>
             <a:endParaRPr lang="zh-TW" altLang="en-US"/>
           </a:p>
@@ -402,7 +402,7 @@
           <a:p>
             <a:fld id="{A7EF565A-ED91-614C-9488-5A36ACA24F05}" type="datetimeFigureOut">
               <a:rPr lang="en-US" smtClean="0"/>
-              <a:t>3/14/25</a:t>
+              <a:t>3/18/25</a:t>
             </a:fld>
             <a:endParaRPr lang="en-US"/>
           </a:p>
@@ -1221,6 +1221,174 @@
 </p:notes>
 </file>
 
+<file path=ppt/notesSlides/notesSlide7.xml><?xml version="1.0" encoding="utf-8"?>
+<p:notes xmlns:a="http://schemas.openxmlformats.org/drawingml/2006/main" xmlns:r="http://schemas.openxmlformats.org/officeDocument/2006/relationships" xmlns:p="http://schemas.openxmlformats.org/presentationml/2006/main">
+  <p:cSld>
+    <p:spTree>
+      <p:nvGrpSpPr>
+        <p:cNvPr id="1" name=""/>
+        <p:cNvGrpSpPr/>
+        <p:nvPr/>
+      </p:nvGrpSpPr>
+      <p:grpSpPr>
+        <a:xfrm>
+          <a:off x="0" y="0"/>
+          <a:ext cx="0" cy="0"/>
+          <a:chOff x="0" y="0"/>
+          <a:chExt cx="0" cy="0"/>
+        </a:xfrm>
+      </p:grpSpPr>
+      <p:sp>
+        <p:nvSpPr>
+          <p:cNvPr id="2" name="投影片影像版面配置區 1"/>
+          <p:cNvSpPr>
+            <a:spLocks noGrp="1" noRot="1" noChangeAspect="1"/>
+          </p:cNvSpPr>
+          <p:nvPr>
+            <p:ph type="sldImg"/>
+          </p:nvPr>
+        </p:nvSpPr>
+        <p:spPr/>
+      </p:sp>
+      <p:sp>
+        <p:nvSpPr>
+          <p:cNvPr id="3" name="備忘稿版面配置區 2"/>
+          <p:cNvSpPr>
+            <a:spLocks noGrp="1"/>
+          </p:cNvSpPr>
+          <p:nvPr>
+            <p:ph type="body" idx="1"/>
+          </p:nvPr>
+        </p:nvSpPr>
+        <p:spPr/>
+        <p:txBody>
+          <a:bodyPr/>
+          <a:lstStyle/>
+          <a:p>
+            <a:endParaRPr kumimoji="1" lang="zh-TW" altLang="en-US" dirty="0"/>
+          </a:p>
+        </p:txBody>
+      </p:sp>
+      <p:sp>
+        <p:nvSpPr>
+          <p:cNvPr id="4" name="投影片編號版面配置區 3"/>
+          <p:cNvSpPr>
+            <a:spLocks noGrp="1"/>
+          </p:cNvSpPr>
+          <p:nvPr>
+            <p:ph type="sldNum" sz="quarter" idx="5"/>
+          </p:nvPr>
+        </p:nvSpPr>
+        <p:spPr/>
+        <p:txBody>
+          <a:bodyPr/>
+          <a:lstStyle/>
+          <a:p>
+            <a:fld id="{19E86CBC-ED87-4B45-AD59-949EFEA1A6BB}" type="slidenum">
+              <a:rPr lang="en-US" smtClean="0"/>
+              <a:t>8</a:t>
+            </a:fld>
+            <a:endParaRPr lang="en-US"/>
+          </a:p>
+        </p:txBody>
+      </p:sp>
+    </p:spTree>
+    <p:extLst>
+      <p:ext uri="{BB962C8B-B14F-4D97-AF65-F5344CB8AC3E}">
+        <p14:creationId xmlns:p14="http://schemas.microsoft.com/office/powerpoint/2010/main" val="2071211964"/>
+      </p:ext>
+    </p:extLst>
+  </p:cSld>
+  <p:clrMapOvr>
+    <a:masterClrMapping/>
+  </p:clrMapOvr>
+</p:notes>
+</file>
+
+<file path=ppt/notesSlides/notesSlide8.xml><?xml version="1.0" encoding="utf-8"?>
+<p:notes xmlns:a="http://schemas.openxmlformats.org/drawingml/2006/main" xmlns:r="http://schemas.openxmlformats.org/officeDocument/2006/relationships" xmlns:p="http://schemas.openxmlformats.org/presentationml/2006/main">
+  <p:cSld>
+    <p:spTree>
+      <p:nvGrpSpPr>
+        <p:cNvPr id="1" name=""/>
+        <p:cNvGrpSpPr/>
+        <p:nvPr/>
+      </p:nvGrpSpPr>
+      <p:grpSpPr>
+        <a:xfrm>
+          <a:off x="0" y="0"/>
+          <a:ext cx="0" cy="0"/>
+          <a:chOff x="0" y="0"/>
+          <a:chExt cx="0" cy="0"/>
+        </a:xfrm>
+      </p:grpSpPr>
+      <p:sp>
+        <p:nvSpPr>
+          <p:cNvPr id="2" name="投影片影像版面配置區 1"/>
+          <p:cNvSpPr>
+            <a:spLocks noGrp="1" noRot="1" noChangeAspect="1"/>
+          </p:cNvSpPr>
+          <p:nvPr>
+            <p:ph type="sldImg"/>
+          </p:nvPr>
+        </p:nvSpPr>
+        <p:spPr/>
+      </p:sp>
+      <p:sp>
+        <p:nvSpPr>
+          <p:cNvPr id="3" name="備忘稿版面配置區 2"/>
+          <p:cNvSpPr>
+            <a:spLocks noGrp="1"/>
+          </p:cNvSpPr>
+          <p:nvPr>
+            <p:ph type="body" idx="1"/>
+          </p:nvPr>
+        </p:nvSpPr>
+        <p:spPr/>
+        <p:txBody>
+          <a:bodyPr/>
+          <a:lstStyle/>
+          <a:p>
+            <a:endParaRPr kumimoji="1" lang="zh-TW" altLang="en-US" dirty="0"/>
+          </a:p>
+        </p:txBody>
+      </p:sp>
+      <p:sp>
+        <p:nvSpPr>
+          <p:cNvPr id="4" name="投影片編號版面配置區 3"/>
+          <p:cNvSpPr>
+            <a:spLocks noGrp="1"/>
+          </p:cNvSpPr>
+          <p:nvPr>
+            <p:ph type="sldNum" sz="quarter" idx="5"/>
+          </p:nvPr>
+        </p:nvSpPr>
+        <p:spPr/>
+        <p:txBody>
+          <a:bodyPr/>
+          <a:lstStyle/>
+          <a:p>
+            <a:fld id="{19E86CBC-ED87-4B45-AD59-949EFEA1A6BB}" type="slidenum">
+              <a:rPr lang="en-US" smtClean="0"/>
+              <a:t>10</a:t>
+            </a:fld>
+            <a:endParaRPr lang="en-US"/>
+          </a:p>
+        </p:txBody>
+      </p:sp>
+    </p:spTree>
+    <p:extLst>
+      <p:ext uri="{BB962C8B-B14F-4D97-AF65-F5344CB8AC3E}">
+        <p14:creationId xmlns:p14="http://schemas.microsoft.com/office/powerpoint/2010/main" val="1881730293"/>
+      </p:ext>
+    </p:extLst>
+  </p:cSld>
+  <p:clrMapOvr>
+    <a:masterClrMapping/>
+  </p:clrMapOvr>
+</p:notes>
+</file>
+
 <file path=ppt/slideLayouts/slideLayout1.xml><?xml version="1.0" encoding="utf-8"?>
 <p:sldLayout xmlns:a="http://schemas.openxmlformats.org/drawingml/2006/main" xmlns:r="http://schemas.openxmlformats.org/officeDocument/2006/relationships" xmlns:p="http://schemas.openxmlformats.org/presentationml/2006/main" type="title" preserve="1">
   <p:cSld name="Title Slide">
@@ -1368,7 +1536,7 @@
           <a:p>
             <a:fld id="{C2D3DE47-1FA0-6945-9A11-362819D8D67B}" type="datetime1">
               <a:rPr lang="en-US" smtClean="0"/>
-              <a:t>3/14/25</a:t>
+              <a:t>3/18/25</a:t>
             </a:fld>
             <a:endParaRPr lang="en-US"/>
           </a:p>
@@ -1566,7 +1734,7 @@
           <a:p>
             <a:fld id="{5BCF0193-2123-F14F-A649-EACDA8655AD5}" type="datetime1">
               <a:rPr lang="en-US" smtClean="0"/>
-              <a:t>3/14/25</a:t>
+              <a:t>3/18/25</a:t>
             </a:fld>
             <a:endParaRPr lang="en-US"/>
           </a:p>
@@ -1804,7 +1972,7 @@
           <a:p>
             <a:fld id="{380B12C6-F80E-6A40-B426-E539A898473B}" type="datetime1">
               <a:rPr lang="en-US" smtClean="0"/>
-              <a:t>3/14/25</a:t>
+              <a:t>3/18/25</a:t>
             </a:fld>
             <a:endParaRPr lang="en-US"/>
           </a:p>
@@ -2032,7 +2200,7 @@
           <a:p>
             <a:fld id="{FF89A972-FC5E-0C48-A4D4-13A5F2CB5FB6}" type="datetime1">
               <a:rPr lang="en-US" smtClean="0"/>
-              <a:t>3/14/25</a:t>
+              <a:t>3/18/25</a:t>
             </a:fld>
             <a:endParaRPr lang="en-US"/>
           </a:p>
@@ -2337,7 +2505,7 @@
           <a:p>
             <a:fld id="{39E9A4AC-3B68-A048-BD5C-B1A03F8B7E31}" type="datetime1">
               <a:rPr lang="en-US" smtClean="0"/>
-              <a:t>3/14/25</a:t>
+              <a:t>3/18/25</a:t>
             </a:fld>
             <a:endParaRPr lang="en-US"/>
           </a:p>
@@ -2632,7 +2800,7 @@
           <a:p>
             <a:fld id="{C26485C3-9F1B-9D4B-8BDC-69692507CF36}" type="datetime1">
               <a:rPr lang="en-US" smtClean="0"/>
-              <a:t>3/14/25</a:t>
+              <a:t>3/18/25</a:t>
             </a:fld>
             <a:endParaRPr lang="en-US"/>
           </a:p>
@@ -3074,7 +3242,7 @@
           <a:p>
             <a:fld id="{CFC9EE40-8FF1-5E49-99BC-178D99558DB4}" type="datetime1">
               <a:rPr lang="en-US" smtClean="0"/>
-              <a:t>3/14/25</a:t>
+              <a:t>3/18/25</a:t>
             </a:fld>
             <a:endParaRPr lang="en-US"/>
           </a:p>
@@ -3245,7 +3413,7 @@
           <a:p>
             <a:fld id="{FE4D24EA-4AEC-BC43-8BC5-5C733292AAC5}" type="datetime1">
               <a:rPr lang="en-US" smtClean="0"/>
-              <a:t>3/14/25</a:t>
+              <a:t>3/18/25</a:t>
             </a:fld>
             <a:endParaRPr lang="en-US"/>
           </a:p>
@@ -3388,7 +3556,7 @@
           <a:p>
             <a:fld id="{97A04519-E67B-6C4A-A013-A3893424126E}" type="datetime1">
               <a:rPr lang="en-US" smtClean="0"/>
-              <a:t>3/14/25</a:t>
+              <a:t>3/18/25</a:t>
             </a:fld>
             <a:endParaRPr lang="en-US"/>
           </a:p>
@@ -3729,7 +3897,7 @@
           <a:p>
             <a:fld id="{95F28B83-DF1D-FC4A-B4D3-292870CA6B9A}" type="datetime1">
               <a:rPr lang="en-US" smtClean="0"/>
-              <a:t>3/14/25</a:t>
+              <a:t>3/18/25</a:t>
             </a:fld>
             <a:endParaRPr lang="en-US"/>
           </a:p>
@@ -4047,7 +4215,7 @@
           <a:p>
             <a:fld id="{9C9BE846-DE9B-8A49-8269-348126CDA0C3}" type="datetime1">
               <a:rPr lang="en-US" smtClean="0"/>
-              <a:t>3/14/25</a:t>
+              <a:t>3/18/25</a:t>
             </a:fld>
             <a:endParaRPr lang="en-US"/>
           </a:p>
@@ -4327,7 +4495,7 @@
           <a:p>
             <a:fld id="{47902E27-D44F-7340-8330-13703F478D55}" type="datetime1">
               <a:rPr lang="en-US" smtClean="0"/>
-              <a:t>3/14/25</a:t>
+              <a:t>3/18/25</a:t>
             </a:fld>
             <a:endParaRPr lang="en-US"/>
           </a:p>
@@ -5156,7 +5324,7 @@
           <p:cNvPr id="2" name="標題 1">
             <a:extLst>
               <a:ext uri="{FF2B5EF4-FFF2-40B4-BE49-F238E27FC236}">
-                <a16:creationId xmlns:a16="http://schemas.microsoft.com/office/drawing/2014/main" id="{51D5BAE8-668B-AA2A-6903-29B81E83FABA}"/>
+                <a16:creationId xmlns:a16="http://schemas.microsoft.com/office/drawing/2014/main" id="{542305F7-0F6A-A199-0A5D-64270FA0F24E}"/>
               </a:ext>
             </a:extLst>
           </p:cNvPr>
@@ -5174,47 +5342,18 @@
           <a:p>
             <a:r>
               <a:rPr kumimoji="1" lang="en-US" altLang="zh-TW" dirty="0"/>
-              <a:t>Case 2 : Ray tracing</a:t>
+              <a:t>Case 2 : Neural receiver</a:t>
             </a:r>
             <a:endParaRPr kumimoji="1" lang="zh-TW" altLang="en-US" dirty="0"/>
           </a:p>
         </p:txBody>
       </p:sp>
-      <p:pic>
-        <p:nvPicPr>
-          <p:cNvPr id="6" name="內容版面配置區 5" descr="一張含有 鮮豔, 圖表, 螢幕擷取畫面, 行 的圖片&#10;&#10;自動產生的描述">
-            <a:extLst>
-              <a:ext uri="{FF2B5EF4-FFF2-40B4-BE49-F238E27FC236}">
-                <a16:creationId xmlns:a16="http://schemas.microsoft.com/office/drawing/2014/main" id="{DD4B069D-95F7-DA5E-115C-638A14DD16E9}"/>
-              </a:ext>
-            </a:extLst>
-          </p:cNvPr>
-          <p:cNvPicPr>
-            <a:picLocks noGrp="1" noChangeAspect="1"/>
-          </p:cNvPicPr>
-          <p:nvPr>
-            <p:ph idx="1"/>
-          </p:nvPr>
-        </p:nvPicPr>
-        <p:blipFill>
-          <a:blip r:embed="rId2"/>
-          <a:stretch>
-            <a:fillRect/>
-          </a:stretch>
-        </p:blipFill>
-        <p:spPr>
-          <a:xfrm>
-            <a:off x="654423" y="2201069"/>
-            <a:ext cx="4876800" cy="3644900"/>
-          </a:xfrm>
-        </p:spPr>
-      </p:pic>
       <p:sp>
         <p:nvSpPr>
           <p:cNvPr id="4" name="投影片編號版面配置區 3">
             <a:extLst>
               <a:ext uri="{FF2B5EF4-FFF2-40B4-BE49-F238E27FC236}">
-                <a16:creationId xmlns:a16="http://schemas.microsoft.com/office/drawing/2014/main" id="{91CF58E0-6320-6E7D-F0ED-813BDC959FF5}"/>
+                <a16:creationId xmlns:a16="http://schemas.microsoft.com/office/drawing/2014/main" id="{D598A983-1747-D791-FD91-D8280EAC55FA}"/>
               </a:ext>
             </a:extLst>
           </p:cNvPr>
@@ -5240,10 +5379,10 @@
       </p:sp>
       <p:pic>
         <p:nvPicPr>
-          <p:cNvPr id="8" name="圖片 7" descr="一張含有 螢幕擷取畫面, 像素 的圖片&#10;&#10;自動產生的描述">
-            <a:extLst>
-              <a:ext uri="{FF2B5EF4-FFF2-40B4-BE49-F238E27FC236}">
-                <a16:creationId xmlns:a16="http://schemas.microsoft.com/office/drawing/2014/main" id="{BA0BE0A2-4BD3-401D-EB2C-3B07C028A575}"/>
+          <p:cNvPr id="8" name="圖片 7" descr="一張含有 文字, 螢幕擷取畫面, 圖表, 數字 的圖片&#10;&#10;自動產生的描述">
+            <a:extLst>
+              <a:ext uri="{FF2B5EF4-FFF2-40B4-BE49-F238E27FC236}">
+                <a16:creationId xmlns:a16="http://schemas.microsoft.com/office/drawing/2014/main" id="{29C7CBB0-EB32-CD57-D014-D27E277D50F6}"/>
               </a:ext>
             </a:extLst>
           </p:cNvPr>
@@ -5260,8 +5399,8 @@
         </p:blipFill>
         <p:spPr>
           <a:xfrm>
-            <a:off x="6142733" y="1975555"/>
-            <a:ext cx="5394844" cy="3870413"/>
+            <a:off x="1949871" y="1469868"/>
+            <a:ext cx="7678222" cy="5334344"/>
           </a:xfrm>
           <a:prstGeom prst="rect">
             <a:avLst/>
@@ -5270,44 +5409,33 @@
       </p:pic>
       <p:sp>
         <p:nvSpPr>
-          <p:cNvPr id="3" name="文字方塊 2">
-            <a:extLst>
-              <a:ext uri="{FF2B5EF4-FFF2-40B4-BE49-F238E27FC236}">
-                <a16:creationId xmlns:a16="http://schemas.microsoft.com/office/drawing/2014/main" id="{0B0DD11B-3132-C815-A039-E6DF4C0C6C23}"/>
-              </a:ext>
-            </a:extLst>
-          </p:cNvPr>
-          <p:cNvSpPr txBox="1"/>
-          <p:nvPr/>
-        </p:nvSpPr>
-        <p:spPr>
-          <a:xfrm>
-            <a:off x="3092823" y="1602289"/>
-            <a:ext cx="5663730" cy="461665"/>
-          </a:xfrm>
-          <a:prstGeom prst="rect">
-            <a:avLst/>
-          </a:prstGeom>
-          <a:noFill/>
-        </p:spPr>
-        <p:txBody>
-          <a:bodyPr wrap="none" rtlCol="0">
-            <a:spAutoFit/>
-          </a:bodyPr>
-          <a:lstStyle/>
-          <a:p>
-            <a:r>
-              <a:rPr kumimoji="1" lang="en-US" altLang="zh-TW" sz="2400" dirty="0"/>
-              <a:t>Ray tracing simulation in NYCU campus</a:t>
-            </a:r>
-            <a:endParaRPr kumimoji="1" lang="zh-TW" altLang="en-US" sz="2400" dirty="0"/>
+          <p:cNvPr id="10" name="內容版面配置區 9">
+            <a:extLst>
+              <a:ext uri="{FF2B5EF4-FFF2-40B4-BE49-F238E27FC236}">
+                <a16:creationId xmlns:a16="http://schemas.microsoft.com/office/drawing/2014/main" id="{4922B0D2-D970-A30E-F11B-54DE1A5BE4FF}"/>
+              </a:ext>
+            </a:extLst>
+          </p:cNvPr>
+          <p:cNvSpPr>
+            <a:spLocks noGrp="1"/>
+          </p:cNvSpPr>
+          <p:nvPr>
+            <p:ph idx="1"/>
+          </p:nvPr>
+        </p:nvSpPr>
+        <p:spPr/>
+        <p:txBody>
+          <a:bodyPr/>
+          <a:lstStyle/>
+          <a:p>
+            <a:endParaRPr lang="zh-TW" altLang="en-US" dirty="0"/>
           </a:p>
         </p:txBody>
       </p:sp>
     </p:spTree>
     <p:extLst>
       <p:ext uri="{BB962C8B-B14F-4D97-AF65-F5344CB8AC3E}">
-        <p14:creationId xmlns:p14="http://schemas.microsoft.com/office/powerpoint/2010/main" val="964237522"/>
+        <p14:creationId xmlns:p14="http://schemas.microsoft.com/office/powerpoint/2010/main" val="287085044"/>
       </p:ext>
     </p:extLst>
   </p:cSld>
@@ -5339,7 +5467,7 @@
           <p:cNvPr id="2" name="標題 1">
             <a:extLst>
               <a:ext uri="{FF2B5EF4-FFF2-40B4-BE49-F238E27FC236}">
-                <a16:creationId xmlns:a16="http://schemas.microsoft.com/office/drawing/2014/main" id="{542305F7-0F6A-A199-0A5D-64270FA0F24E}"/>
+                <a16:creationId xmlns:a16="http://schemas.microsoft.com/office/drawing/2014/main" id="{51D5BAE8-668B-AA2A-6903-29B81E83FABA}"/>
               </a:ext>
             </a:extLst>
           </p:cNvPr>
@@ -5357,43 +5485,47 @@
           <a:p>
             <a:r>
               <a:rPr kumimoji="1" lang="en-US" altLang="zh-TW" dirty="0"/>
-              <a:t>Case 3 : Neural receiver</a:t>
+              <a:t>Case 3 : Ray tracing</a:t>
             </a:r>
             <a:endParaRPr kumimoji="1" lang="zh-TW" altLang="en-US" dirty="0"/>
           </a:p>
         </p:txBody>
       </p:sp>
-      <p:sp>
-        <p:nvSpPr>
-          <p:cNvPr id="3" name="內容版面配置區 2">
-            <a:extLst>
-              <a:ext uri="{FF2B5EF4-FFF2-40B4-BE49-F238E27FC236}">
-                <a16:creationId xmlns:a16="http://schemas.microsoft.com/office/drawing/2014/main" id="{471D54A4-42ED-6770-C762-A6FB791D7DD2}"/>
-              </a:ext>
-            </a:extLst>
-          </p:cNvPr>
-          <p:cNvSpPr>
-            <a:spLocks noGrp="1"/>
-          </p:cNvSpPr>
+      <p:pic>
+        <p:nvPicPr>
+          <p:cNvPr id="6" name="內容版面配置區 5" descr="一張含有 鮮豔, 圖表, 螢幕擷取畫面, 行 的圖片&#10;&#10;自動產生的描述">
+            <a:extLst>
+              <a:ext uri="{FF2B5EF4-FFF2-40B4-BE49-F238E27FC236}">
+                <a16:creationId xmlns:a16="http://schemas.microsoft.com/office/drawing/2014/main" id="{DD4B069D-95F7-DA5E-115C-638A14DD16E9}"/>
+              </a:ext>
+            </a:extLst>
+          </p:cNvPr>
+          <p:cNvPicPr>
+            <a:picLocks noGrp="1" noChangeAspect="1"/>
+          </p:cNvPicPr>
           <p:nvPr>
             <p:ph idx="1"/>
           </p:nvPr>
-        </p:nvSpPr>
-        <p:spPr/>
-        <p:txBody>
-          <a:bodyPr/>
-          <a:lstStyle/>
-          <a:p>
-            <a:endParaRPr kumimoji="1" lang="zh-TW" altLang="en-US" dirty="0"/>
-          </a:p>
-        </p:txBody>
-      </p:sp>
+        </p:nvPicPr>
+        <p:blipFill>
+          <a:blip r:embed="rId2"/>
+          <a:stretch>
+            <a:fillRect/>
+          </a:stretch>
+        </p:blipFill>
+        <p:spPr>
+          <a:xfrm>
+            <a:off x="654423" y="2201069"/>
+            <a:ext cx="4876800" cy="3644900"/>
+          </a:xfrm>
+        </p:spPr>
+      </p:pic>
       <p:sp>
         <p:nvSpPr>
           <p:cNvPr id="4" name="投影片編號版面配置區 3">
             <a:extLst>
               <a:ext uri="{FF2B5EF4-FFF2-40B4-BE49-F238E27FC236}">
-                <a16:creationId xmlns:a16="http://schemas.microsoft.com/office/drawing/2014/main" id="{D598A983-1747-D791-FD91-D8280EAC55FA}"/>
+                <a16:creationId xmlns:a16="http://schemas.microsoft.com/office/drawing/2014/main" id="{91CF58E0-6320-6E7D-F0ED-813BDC959FF5}"/>
               </a:ext>
             </a:extLst>
           </p:cNvPr>
@@ -5417,10 +5549,76 @@
           </a:p>
         </p:txBody>
       </p:sp>
+      <p:pic>
+        <p:nvPicPr>
+          <p:cNvPr id="8" name="圖片 7" descr="一張含有 螢幕擷取畫面, 像素 的圖片&#10;&#10;自動產生的描述">
+            <a:extLst>
+              <a:ext uri="{FF2B5EF4-FFF2-40B4-BE49-F238E27FC236}">
+                <a16:creationId xmlns:a16="http://schemas.microsoft.com/office/drawing/2014/main" id="{BA0BE0A2-4BD3-401D-EB2C-3B07C028A575}"/>
+              </a:ext>
+            </a:extLst>
+          </p:cNvPr>
+          <p:cNvPicPr>
+            <a:picLocks noChangeAspect="1"/>
+          </p:cNvPicPr>
+          <p:nvPr/>
+        </p:nvPicPr>
+        <p:blipFill>
+          <a:blip r:embed="rId3"/>
+          <a:stretch>
+            <a:fillRect/>
+          </a:stretch>
+        </p:blipFill>
+        <p:spPr>
+          <a:xfrm>
+            <a:off x="6142733" y="1975555"/>
+            <a:ext cx="5394844" cy="3870413"/>
+          </a:xfrm>
+          <a:prstGeom prst="rect">
+            <a:avLst/>
+          </a:prstGeom>
+        </p:spPr>
+      </p:pic>
+      <p:sp>
+        <p:nvSpPr>
+          <p:cNvPr id="3" name="文字方塊 2">
+            <a:extLst>
+              <a:ext uri="{FF2B5EF4-FFF2-40B4-BE49-F238E27FC236}">
+                <a16:creationId xmlns:a16="http://schemas.microsoft.com/office/drawing/2014/main" id="{0B0DD11B-3132-C815-A039-E6DF4C0C6C23}"/>
+              </a:ext>
+            </a:extLst>
+          </p:cNvPr>
+          <p:cNvSpPr txBox="1"/>
+          <p:nvPr/>
+        </p:nvSpPr>
+        <p:spPr>
+          <a:xfrm>
+            <a:off x="3092823" y="1602289"/>
+            <a:ext cx="5663730" cy="461665"/>
+          </a:xfrm>
+          <a:prstGeom prst="rect">
+            <a:avLst/>
+          </a:prstGeom>
+          <a:noFill/>
+        </p:spPr>
+        <p:txBody>
+          <a:bodyPr wrap="none" rtlCol="0">
+            <a:spAutoFit/>
+          </a:bodyPr>
+          <a:lstStyle/>
+          <a:p>
+            <a:r>
+              <a:rPr kumimoji="1" lang="en-US" altLang="zh-TW" sz="2400" dirty="0"/>
+              <a:t>Ray tracing simulation in NYCU campus</a:t>
+            </a:r>
+            <a:endParaRPr kumimoji="1" lang="zh-TW" altLang="en-US" sz="2400" dirty="0"/>
+          </a:p>
+        </p:txBody>
+      </p:sp>
     </p:spTree>
     <p:extLst>
       <p:ext uri="{BB962C8B-B14F-4D97-AF65-F5344CB8AC3E}">
-        <p14:creationId xmlns:p14="http://schemas.microsoft.com/office/powerpoint/2010/main" val="287085044"/>
+        <p14:creationId xmlns:p14="http://schemas.microsoft.com/office/powerpoint/2010/main" val="964237522"/>
       </p:ext>
     </p:extLst>
   </p:cSld>
@@ -6927,31 +7125,35 @@
           </a:p>
         </p:txBody>
       </p:sp>
-      <p:sp>
-        <p:nvSpPr>
-          <p:cNvPr id="3" name="內容版面配置區 2">
-            <a:extLst>
-              <a:ext uri="{FF2B5EF4-FFF2-40B4-BE49-F238E27FC236}">
-                <a16:creationId xmlns:a16="http://schemas.microsoft.com/office/drawing/2014/main" id="{3B33F102-6983-75C1-B4AE-4458F55063AC}"/>
-              </a:ext>
-            </a:extLst>
-          </p:cNvPr>
-          <p:cNvSpPr>
-            <a:spLocks noGrp="1"/>
-          </p:cNvSpPr>
+      <p:pic>
+        <p:nvPicPr>
+          <p:cNvPr id="10" name="內容版面配置區 9" descr="一張含有 文字, 螢幕擷取畫面, 字型, 行 的圖片&#10;&#10;自動產生的描述">
+            <a:extLst>
+              <a:ext uri="{FF2B5EF4-FFF2-40B4-BE49-F238E27FC236}">
+                <a16:creationId xmlns:a16="http://schemas.microsoft.com/office/drawing/2014/main" id="{20D863C5-3E42-1843-EF81-0155C26417C2}"/>
+              </a:ext>
+            </a:extLst>
+          </p:cNvPr>
+          <p:cNvPicPr>
+            <a:picLocks noGrp="1" noChangeAspect="1"/>
+          </p:cNvPicPr>
           <p:nvPr>
             <p:ph idx="1"/>
           </p:nvPr>
-        </p:nvSpPr>
-        <p:spPr/>
-        <p:txBody>
-          <a:bodyPr/>
-          <a:lstStyle/>
-          <a:p>
-            <a:endParaRPr kumimoji="1" lang="zh-TW" altLang="en-US"/>
-          </a:p>
-        </p:txBody>
-      </p:sp>
+        </p:nvPicPr>
+        <p:blipFill>
+          <a:blip r:embed="rId3"/>
+          <a:stretch>
+            <a:fillRect/>
+          </a:stretch>
+        </p:blipFill>
+        <p:spPr>
+          <a:xfrm>
+            <a:off x="838200" y="3083018"/>
+            <a:ext cx="10146766" cy="1869141"/>
+          </a:xfrm>
+        </p:spPr>
+      </p:pic>
       <p:sp>
         <p:nvSpPr>
           <p:cNvPr id="4" name="投影片編號版面配置區 3">
@@ -7995,6 +8197,23 @@
 </file>
 
 <file path=customXml/item1.xml><?xml version="1.0" encoding="utf-8"?>
+<?mso-contentType ?>
+<FormTemplates xmlns="http://schemas.microsoft.com/sharepoint/v3/contenttype/forms">
+  <Display>DocumentLibraryForm</Display>
+  <Edit>DocumentLibraryForm</Edit>
+  <New>DocumentLibraryForm</New>
+</FormTemplates>
+</file>
+
+<file path=customXml/item2.xml><?xml version="1.0" encoding="utf-8"?>
+<p:properties xmlns:p="http://schemas.microsoft.com/office/2006/metadata/properties" xmlns:xsi="http://www.w3.org/2001/XMLSchema-instance" xmlns:pc="http://schemas.microsoft.com/office/infopath/2007/PartnerControls">
+  <documentManagement>
+    <_activity xmlns="6d50c31e-dd39-4a8d-9533-e3e1267260b8" xsi:nil="true"/>
+  </documentManagement>
+</p:properties>
+</file>
+
+<file path=customXml/item3.xml><?xml version="1.0" encoding="utf-8"?>
 <ct:contentTypeSchema xmlns:ct="http://schemas.microsoft.com/office/2006/metadata/contentType" xmlns:ma="http://schemas.microsoft.com/office/2006/metadata/properties/metaAttributes" ct:_="" ma:_="" ma:contentTypeName="Document" ma:contentTypeID="0x0101008323F6022A005840BCFF10AFE4C8BD76" ma:contentTypeVersion="4" ma:contentTypeDescription="Create a new document." ma:contentTypeScope="" ma:versionID="ad98fc97ed7b2a8c6eef0fdd14d3f662">
   <xsd:schema xmlns:xsd="http://www.w3.org/2001/XMLSchema" xmlns:xs="http://www.w3.org/2001/XMLSchema" xmlns:p="http://schemas.microsoft.com/office/2006/metadata/properties" xmlns:ns3="6d50c31e-dd39-4a8d-9533-e3e1267260b8" targetNamespace="http://schemas.microsoft.com/office/2006/metadata/properties" ma:root="true" ma:fieldsID="8f89de777f722e7ebced96c90cb90eb7" ns3:_="">
     <xsd:import namespace="6d50c31e-dd39-4a8d-9533-e3e1267260b8"/>
@@ -8138,37 +8357,10 @@
 </ct:contentTypeSchema>
 </file>
 
-<file path=customXml/item2.xml><?xml version="1.0" encoding="utf-8"?>
-<p:properties xmlns:p="http://schemas.microsoft.com/office/2006/metadata/properties" xmlns:xsi="http://www.w3.org/2001/XMLSchema-instance" xmlns:pc="http://schemas.microsoft.com/office/infopath/2007/PartnerControls">
-  <documentManagement>
-    <_activity xmlns="6d50c31e-dd39-4a8d-9533-e3e1267260b8" xsi:nil="true"/>
-  </documentManagement>
-</p:properties>
-</file>
-
-<file path=customXml/item3.xml><?xml version="1.0" encoding="utf-8"?>
-<?mso-contentType ?>
-<FormTemplates xmlns="http://schemas.microsoft.com/sharepoint/v3/contenttype/forms">
-  <Display>DocumentLibraryForm</Display>
-  <Edit>DocumentLibraryForm</Edit>
-  <New>DocumentLibraryForm</New>
-</FormTemplates>
-</file>
-
 <file path=customXml/itemProps1.xml><?xml version="1.0" encoding="utf-8"?>
-<ds:datastoreItem xmlns:ds="http://schemas.openxmlformats.org/officeDocument/2006/customXml" ds:itemID="{6B9EF1C5-9B96-4874-AA56-B821F7CAD573}">
+<ds:datastoreItem xmlns:ds="http://schemas.openxmlformats.org/officeDocument/2006/customXml" ds:itemID="{AEA8B674-F4D5-44F8-8225-4A7307300CC7}">
   <ds:schemaRefs>
-    <ds:schemaRef ds:uri="6d50c31e-dd39-4a8d-9533-e3e1267260b8"/>
-    <ds:schemaRef ds:uri="http://purl.org/dc/elements/1.1/"/>
-    <ds:schemaRef ds:uri="http://purl.org/dc/terms/"/>
-    <ds:schemaRef ds:uri="http://schemas.microsoft.com/internal/obd"/>
-    <ds:schemaRef ds:uri="http://schemas.microsoft.com/office/2006/documentManagement/types"/>
-    <ds:schemaRef ds:uri="http://schemas.microsoft.com/office/2006/metadata/contentType"/>
-    <ds:schemaRef ds:uri="http://schemas.microsoft.com/office/2006/metadata/properties"/>
-    <ds:schemaRef ds:uri="http://schemas.microsoft.com/office/2006/metadata/properties/metaAttributes"/>
-    <ds:schemaRef ds:uri="http://schemas.microsoft.com/office/infopath/2007/PartnerControls"/>
-    <ds:schemaRef ds:uri="http://schemas.openxmlformats.org/package/2006/metadata/core-properties"/>
-    <ds:schemaRef ds:uri="http://www.w3.org/2001/XMLSchema"/>
+    <ds:schemaRef ds:uri="http://schemas.microsoft.com/sharepoint/v3/contenttype/forms"/>
   </ds:schemaRefs>
 </ds:datastoreItem>
 </file>
@@ -8190,9 +8382,19 @@
 </file>
 
 <file path=customXml/itemProps3.xml><?xml version="1.0" encoding="utf-8"?>
-<ds:datastoreItem xmlns:ds="http://schemas.openxmlformats.org/officeDocument/2006/customXml" ds:itemID="{AEA8B674-F4D5-44F8-8225-4A7307300CC7}">
+<ds:datastoreItem xmlns:ds="http://schemas.openxmlformats.org/officeDocument/2006/customXml" ds:itemID="{6B9EF1C5-9B96-4874-AA56-B821F7CAD573}">
   <ds:schemaRefs>
-    <ds:schemaRef ds:uri="http://schemas.microsoft.com/sharepoint/v3/contenttype/forms"/>
+    <ds:schemaRef ds:uri="6d50c31e-dd39-4a8d-9533-e3e1267260b8"/>
+    <ds:schemaRef ds:uri="http://purl.org/dc/elements/1.1/"/>
+    <ds:schemaRef ds:uri="http://purl.org/dc/terms/"/>
+    <ds:schemaRef ds:uri="http://schemas.microsoft.com/internal/obd"/>
+    <ds:schemaRef ds:uri="http://schemas.microsoft.com/office/2006/documentManagement/types"/>
+    <ds:schemaRef ds:uri="http://schemas.microsoft.com/office/2006/metadata/contentType"/>
+    <ds:schemaRef ds:uri="http://schemas.microsoft.com/office/2006/metadata/properties"/>
+    <ds:schemaRef ds:uri="http://schemas.microsoft.com/office/2006/metadata/properties/metaAttributes"/>
+    <ds:schemaRef ds:uri="http://schemas.microsoft.com/office/infopath/2007/PartnerControls"/>
+    <ds:schemaRef ds:uri="http://schemas.openxmlformats.org/package/2006/metadata/core-properties"/>
+    <ds:schemaRef ds:uri="http://www.w3.org/2001/XMLSchema"/>
   </ds:schemaRefs>
 </ds:datastoreItem>
 </file>